--- a/99. paper/figures.pptx
+++ b/99. paper/figures.pptx
@@ -5,9 +5,10 @@
     <p:sldMasterId id="2147483648" r:id="rId1"/>
   </p:sldMasterIdLst>
   <p:sldIdLst>
-    <p:sldId id="256" r:id="rId2"/>
-    <p:sldId id="257" r:id="rId3"/>
-    <p:sldId id="258" r:id="rId4"/>
+    <p:sldId id="259" r:id="rId2"/>
+    <p:sldId id="256" r:id="rId3"/>
+    <p:sldId id="257" r:id="rId4"/>
+    <p:sldId id="258" r:id="rId5"/>
   </p:sldIdLst>
   <p:sldSz cx="12192000" cy="6858000"/>
   <p:notesSz cx="6858000" cy="9144000"/>
@@ -106,26 +107,661 @@
       </a:defRPr>
     </a:lvl9pPr>
   </p:defaultTextStyle>
+  <p:extLst>
+    <p:ext uri="{EFAFB233-063F-42B5-8137-9DF3F51BA10A}">
+      <p15:sldGuideLst xmlns:p15="http://schemas.microsoft.com/office/powerpoint/2012/main"/>
+    </p:ext>
+  </p:extLst>
 </p:presentation>
+</file>
+
+<file path=ppt/revisionInfo.xml><?xml version="1.0" encoding="utf-8"?>
+<p1510:revInfo xmlns:a="http://schemas.openxmlformats.org/drawingml/2006/main" xmlns:r="http://schemas.openxmlformats.org/officeDocument/2006/relationships" xmlns:p1510="http://schemas.microsoft.com/office/powerpoint/2015/10/main">
+  <p1510:revLst>
+    <p1510:client id="{3A7AFB8D-0C2D-4820-813A-B3FD0F974B3B}" v="52" dt="2023-12-22T17:06:51.435"/>
+  </p1510:revLst>
+</p1510:revInfo>
 </file>
 
 <file path=ppt/changesInfos/changesInfo1.xml><?xml version="1.0" encoding="utf-8"?>
 <pc:chgInfo xmlns:a="http://schemas.openxmlformats.org/drawingml/2006/main" xmlns:r="http://schemas.openxmlformats.org/officeDocument/2006/relationships" xmlns:ac="http://schemas.microsoft.com/office/drawing/2013/main/command" xmlns:pc="http://schemas.microsoft.com/office/powerpoint/2013/main/command">
   <pc:docChgLst>
     <pc:chgData name="Djavan De Clercq" userId="584e75b4acd72a0d" providerId="LiveId" clId="{3A7AFB8D-0C2D-4820-813A-B3FD0F974B3B}"/>
-    <pc:docChg chg="undo redo custSel modSld">
-      <pc:chgData name="Djavan De Clercq" userId="584e75b4acd72a0d" providerId="LiveId" clId="{3A7AFB8D-0C2D-4820-813A-B3FD0F974B3B}" dt="2023-12-18T21:34:33.098" v="25" actId="1076"/>
+    <pc:docChg chg="undo redo custSel addSld modSld sldOrd">
+      <pc:chgData name="Djavan De Clercq" userId="584e75b4acd72a0d" providerId="LiveId" clId="{3A7AFB8D-0C2D-4820-813A-B3FD0F974B3B}" dt="2023-12-22T17:06:51.434" v="389" actId="164"/>
       <pc:docMkLst>
         <pc:docMk/>
       </pc:docMkLst>
+      <pc:sldChg chg="addSp delSp modSp mod">
+        <pc:chgData name="Djavan De Clercq" userId="584e75b4acd72a0d" providerId="LiveId" clId="{3A7AFB8D-0C2D-4820-813A-B3FD0F974B3B}" dt="2023-12-22T17:06:51.434" v="389" actId="164"/>
+        <pc:sldMkLst>
+          <pc:docMk/>
+          <pc:sldMk cId="3547312974" sldId="256"/>
+        </pc:sldMkLst>
+        <pc:spChg chg="add mod topLvl">
+          <ac:chgData name="Djavan De Clercq" userId="584e75b4acd72a0d" providerId="LiveId" clId="{3A7AFB8D-0C2D-4820-813A-B3FD0F974B3B}" dt="2023-12-22T17:06:51.434" v="389" actId="164"/>
+          <ac:spMkLst>
+            <pc:docMk/>
+            <pc:sldMk cId="3547312974" sldId="256"/>
+            <ac:spMk id="2" creationId="{C469C68B-A728-013A-1810-72FA2FC4BFDA}"/>
+          </ac:spMkLst>
+        </pc:spChg>
+        <pc:spChg chg="add mod">
+          <ac:chgData name="Djavan De Clercq" userId="584e75b4acd72a0d" providerId="LiveId" clId="{3A7AFB8D-0C2D-4820-813A-B3FD0F974B3B}" dt="2023-12-18T22:29:48.156" v="75" actId="571"/>
+          <ac:spMkLst>
+            <pc:docMk/>
+            <pc:sldMk cId="3547312974" sldId="256"/>
+            <ac:spMk id="6" creationId="{43D9E0B4-3C2B-6518-B0AF-B42CA6DB788B}"/>
+          </ac:spMkLst>
+        </pc:spChg>
+        <pc:spChg chg="add mod">
+          <ac:chgData name="Djavan De Clercq" userId="584e75b4acd72a0d" providerId="LiveId" clId="{3A7AFB8D-0C2D-4820-813A-B3FD0F974B3B}" dt="2023-12-18T22:29:54.475" v="78" actId="571"/>
+          <ac:spMkLst>
+            <pc:docMk/>
+            <pc:sldMk cId="3547312974" sldId="256"/>
+            <ac:spMk id="10" creationId="{1734076B-3882-6DAC-1550-028D7DDA3958}"/>
+          </ac:spMkLst>
+        </pc:spChg>
+        <pc:spChg chg="add mod topLvl">
+          <ac:chgData name="Djavan De Clercq" userId="584e75b4acd72a0d" providerId="LiveId" clId="{3A7AFB8D-0C2D-4820-813A-B3FD0F974B3B}" dt="2023-12-22T17:06:51.434" v="389" actId="164"/>
+          <ac:spMkLst>
+            <pc:docMk/>
+            <pc:sldMk cId="3547312974" sldId="256"/>
+            <ac:spMk id="11" creationId="{57C931C2-0BEC-37BB-1FE8-0B2C9254E039}"/>
+          </ac:spMkLst>
+        </pc:spChg>
+        <pc:spChg chg="add mod topLvl">
+          <ac:chgData name="Djavan De Clercq" userId="584e75b4acd72a0d" providerId="LiveId" clId="{3A7AFB8D-0C2D-4820-813A-B3FD0F974B3B}" dt="2023-12-22T17:06:51.434" v="389" actId="164"/>
+          <ac:spMkLst>
+            <pc:docMk/>
+            <pc:sldMk cId="3547312974" sldId="256"/>
+            <ac:spMk id="12" creationId="{8BE8CC2F-7E9F-6BAF-4F4E-4BF09A75F59E}"/>
+          </ac:spMkLst>
+        </pc:spChg>
+        <pc:spChg chg="add mod">
+          <ac:chgData name="Djavan De Clercq" userId="584e75b4acd72a0d" providerId="LiveId" clId="{3A7AFB8D-0C2D-4820-813A-B3FD0F974B3B}" dt="2023-12-18T22:29:58.453" v="80" actId="571"/>
+          <ac:spMkLst>
+            <pc:docMk/>
+            <pc:sldMk cId="3547312974" sldId="256"/>
+            <ac:spMk id="14" creationId="{7CD59AB9-94CB-FFDB-61C6-3409B513A302}"/>
+          </ac:spMkLst>
+        </pc:spChg>
+        <pc:spChg chg="add mod topLvl">
+          <ac:chgData name="Djavan De Clercq" userId="584e75b4acd72a0d" providerId="LiveId" clId="{3A7AFB8D-0C2D-4820-813A-B3FD0F974B3B}" dt="2023-12-22T17:06:51.434" v="389" actId="164"/>
+          <ac:spMkLst>
+            <pc:docMk/>
+            <pc:sldMk cId="3547312974" sldId="256"/>
+            <ac:spMk id="15" creationId="{873D813D-2345-68D6-67D8-91A73F5E599B}"/>
+          </ac:spMkLst>
+        </pc:spChg>
+        <pc:grpChg chg="add mod">
+          <ac:chgData name="Djavan De Clercq" userId="584e75b4acd72a0d" providerId="LiveId" clId="{3A7AFB8D-0C2D-4820-813A-B3FD0F974B3B}" dt="2023-12-18T22:29:48.156" v="75" actId="571"/>
+          <ac:grpSpMkLst>
+            <pc:docMk/>
+            <pc:sldMk cId="3547312974" sldId="256"/>
+            <ac:grpSpMk id="3" creationId="{E4EA3247-56E2-E47E-4184-81B2C605FD95}"/>
+          </ac:grpSpMkLst>
+        </pc:grpChg>
+        <pc:grpChg chg="add mod">
+          <ac:chgData name="Djavan De Clercq" userId="584e75b4acd72a0d" providerId="LiveId" clId="{3A7AFB8D-0C2D-4820-813A-B3FD0F974B3B}" dt="2023-12-18T22:29:54.475" v="78" actId="571"/>
+          <ac:grpSpMkLst>
+            <pc:docMk/>
+            <pc:sldMk cId="3547312974" sldId="256"/>
+            <ac:grpSpMk id="7" creationId="{0C2B8C6C-08BF-9CBF-15C5-9478F663E5A6}"/>
+          </ac:grpSpMkLst>
+        </pc:grpChg>
+        <pc:grpChg chg="add mod">
+          <ac:chgData name="Djavan De Clercq" userId="584e75b4acd72a0d" providerId="LiveId" clId="{3A7AFB8D-0C2D-4820-813A-B3FD0F974B3B}" dt="2023-12-18T22:29:58.453" v="80" actId="571"/>
+          <ac:grpSpMkLst>
+            <pc:docMk/>
+            <pc:sldMk cId="3547312974" sldId="256"/>
+            <ac:grpSpMk id="11" creationId="{2A000FEC-A301-09DD-C44F-D79C0640433C}"/>
+          </ac:grpSpMkLst>
+        </pc:grpChg>
+        <pc:grpChg chg="add del mod">
+          <ac:chgData name="Djavan De Clercq" userId="584e75b4acd72a0d" providerId="LiveId" clId="{3A7AFB8D-0C2D-4820-813A-B3FD0F974B3B}" dt="2023-12-22T16:56:50.442" v="314" actId="165"/>
+          <ac:grpSpMkLst>
+            <pc:docMk/>
+            <pc:sldMk cId="3547312974" sldId="256"/>
+            <ac:grpSpMk id="13" creationId="{4176C039-9A6C-309E-257C-2F2D2827391E}"/>
+          </ac:grpSpMkLst>
+        </pc:grpChg>
+        <pc:grpChg chg="add del mod">
+          <ac:chgData name="Djavan De Clercq" userId="584e75b4acd72a0d" providerId="LiveId" clId="{3A7AFB8D-0C2D-4820-813A-B3FD0F974B3B}" dt="2023-12-22T16:58:02.647" v="343" actId="165"/>
+          <ac:grpSpMkLst>
+            <pc:docMk/>
+            <pc:sldMk cId="3547312974" sldId="256"/>
+            <ac:grpSpMk id="14" creationId="{857B0A91-7A75-207D-472B-6EFB323B4344}"/>
+          </ac:grpSpMkLst>
+        </pc:grpChg>
+        <pc:grpChg chg="add del mod">
+          <ac:chgData name="Djavan De Clercq" userId="584e75b4acd72a0d" providerId="LiveId" clId="{3A7AFB8D-0C2D-4820-813A-B3FD0F974B3B}" dt="2023-12-18T22:31:03.429" v="85" actId="165"/>
+          <ac:grpSpMkLst>
+            <pc:docMk/>
+            <pc:sldMk cId="3547312974" sldId="256"/>
+            <ac:grpSpMk id="16" creationId="{F1AF2231-C2A5-5F6E-4168-48CFF0A8BBA0}"/>
+          </ac:grpSpMkLst>
+        </pc:grpChg>
+        <pc:grpChg chg="add mod">
+          <ac:chgData name="Djavan De Clercq" userId="584e75b4acd72a0d" providerId="LiveId" clId="{3A7AFB8D-0C2D-4820-813A-B3FD0F974B3B}" dt="2023-12-19T08:37:01.398" v="91" actId="164"/>
+          <ac:grpSpMkLst>
+            <pc:docMk/>
+            <pc:sldMk cId="3547312974" sldId="256"/>
+            <ac:grpSpMk id="17" creationId="{2BA06187-2F57-A916-F26A-B4F94574E046}"/>
+          </ac:grpSpMkLst>
+        </pc:grpChg>
+        <pc:grpChg chg="add del mod">
+          <ac:chgData name="Djavan De Clercq" userId="584e75b4acd72a0d" providerId="LiveId" clId="{3A7AFB8D-0C2D-4820-813A-B3FD0F974B3B}" dt="2023-12-22T17:00:39.059" v="372" actId="165"/>
+          <ac:grpSpMkLst>
+            <pc:docMk/>
+            <pc:sldMk cId="3547312974" sldId="256"/>
+            <ac:grpSpMk id="20" creationId="{9FD35484-2837-E164-CC02-5CD46DE97CA4}"/>
+          </ac:grpSpMkLst>
+        </pc:grpChg>
+        <pc:grpChg chg="add del mod">
+          <ac:chgData name="Djavan De Clercq" userId="584e75b4acd72a0d" providerId="LiveId" clId="{3A7AFB8D-0C2D-4820-813A-B3FD0F974B3B}" dt="2023-12-22T17:06:09.086" v="381" actId="165"/>
+          <ac:grpSpMkLst>
+            <pc:docMk/>
+            <pc:sldMk cId="3547312974" sldId="256"/>
+            <ac:grpSpMk id="21" creationId="{770A5550-EFA6-02A7-A69C-F9FEEA023CF6}"/>
+          </ac:grpSpMkLst>
+        </pc:grpChg>
+        <pc:grpChg chg="add mod">
+          <ac:chgData name="Djavan De Clercq" userId="584e75b4acd72a0d" providerId="LiveId" clId="{3A7AFB8D-0C2D-4820-813A-B3FD0F974B3B}" dt="2023-12-22T17:06:51.434" v="389" actId="164"/>
+          <ac:grpSpMkLst>
+            <pc:docMk/>
+            <pc:sldMk cId="3547312974" sldId="256"/>
+            <ac:grpSpMk id="24" creationId="{8516D7F6-2C85-6B66-5633-83B7FAAD43D5}"/>
+          </ac:grpSpMkLst>
+        </pc:grpChg>
+        <pc:grpChg chg="mod topLvl">
+          <ac:chgData name="Djavan De Clercq" userId="584e75b4acd72a0d" providerId="LiveId" clId="{3A7AFB8D-0C2D-4820-813A-B3FD0F974B3B}" dt="2023-12-22T17:06:51.434" v="389" actId="164"/>
+          <ac:grpSpMkLst>
+            <pc:docMk/>
+            <pc:sldMk cId="3547312974" sldId="256"/>
+            <ac:grpSpMk id="34" creationId="{4C18C987-759A-DE5C-AEDE-6EC583336E9E}"/>
+          </ac:grpSpMkLst>
+        </pc:grpChg>
+        <pc:picChg chg="add del mod">
+          <ac:chgData name="Djavan De Clercq" userId="584e75b4acd72a0d" providerId="LiveId" clId="{3A7AFB8D-0C2D-4820-813A-B3FD0F974B3B}" dt="2023-12-22T16:51:06.695" v="286" actId="478"/>
+          <ac:picMkLst>
+            <pc:docMk/>
+            <pc:sldMk cId="3547312974" sldId="256"/>
+            <ac:picMk id="4" creationId="{210E2C27-C963-2FA3-6EC4-1352AFA90D67}"/>
+          </ac:picMkLst>
+        </pc:picChg>
+        <pc:picChg chg="mod">
+          <ac:chgData name="Djavan De Clercq" userId="584e75b4acd72a0d" providerId="LiveId" clId="{3A7AFB8D-0C2D-4820-813A-B3FD0F974B3B}" dt="2023-12-18T22:29:48.156" v="75" actId="571"/>
+          <ac:picMkLst>
+            <pc:docMk/>
+            <pc:sldMk cId="3547312974" sldId="256"/>
+            <ac:picMk id="4" creationId="{FA4172D4-24BD-835C-02F9-CA79F0DB1643}"/>
+          </ac:picMkLst>
+        </pc:picChg>
+        <pc:picChg chg="mod">
+          <ac:chgData name="Djavan De Clercq" userId="584e75b4acd72a0d" providerId="LiveId" clId="{3A7AFB8D-0C2D-4820-813A-B3FD0F974B3B}" dt="2023-12-18T22:29:48.156" v="75" actId="571"/>
+          <ac:picMkLst>
+            <pc:docMk/>
+            <pc:sldMk cId="3547312974" sldId="256"/>
+            <ac:picMk id="5" creationId="{109662A4-D50F-3C45-63BF-56D94BBD3728}"/>
+          </ac:picMkLst>
+        </pc:picChg>
+        <pc:picChg chg="add del mod">
+          <ac:chgData name="Djavan De Clercq" userId="584e75b4acd72a0d" providerId="LiveId" clId="{3A7AFB8D-0C2D-4820-813A-B3FD0F974B3B}" dt="2023-12-22T16:53:31.721" v="293" actId="478"/>
+          <ac:picMkLst>
+            <pc:docMk/>
+            <pc:sldMk cId="3547312974" sldId="256"/>
+            <ac:picMk id="6" creationId="{0711DC0C-C160-9FD2-4787-052BAC7D2610}"/>
+          </ac:picMkLst>
+        </pc:picChg>
+        <pc:picChg chg="add mod topLvl">
+          <ac:chgData name="Djavan De Clercq" userId="584e75b4acd72a0d" providerId="LiveId" clId="{3A7AFB8D-0C2D-4820-813A-B3FD0F974B3B}" dt="2023-12-22T17:06:51.434" v="389" actId="164"/>
+          <ac:picMkLst>
+            <pc:docMk/>
+            <pc:sldMk cId="3547312974" sldId="256"/>
+            <ac:picMk id="8" creationId="{1053F02C-E3F4-3210-A761-1185908673AE}"/>
+          </ac:picMkLst>
+        </pc:picChg>
+        <pc:picChg chg="mod">
+          <ac:chgData name="Djavan De Clercq" userId="584e75b4acd72a0d" providerId="LiveId" clId="{3A7AFB8D-0C2D-4820-813A-B3FD0F974B3B}" dt="2023-12-18T22:29:54.475" v="78" actId="571"/>
+          <ac:picMkLst>
+            <pc:docMk/>
+            <pc:sldMk cId="3547312974" sldId="256"/>
+            <ac:picMk id="8" creationId="{AC61C5CE-B8B3-E81D-B405-9DD50EDB3238}"/>
+          </ac:picMkLst>
+        </pc:picChg>
+        <pc:picChg chg="mod">
+          <ac:chgData name="Djavan De Clercq" userId="584e75b4acd72a0d" providerId="LiveId" clId="{3A7AFB8D-0C2D-4820-813A-B3FD0F974B3B}" dt="2023-12-18T22:29:54.475" v="78" actId="571"/>
+          <ac:picMkLst>
+            <pc:docMk/>
+            <pc:sldMk cId="3547312974" sldId="256"/>
+            <ac:picMk id="9" creationId="{50F440F8-0F76-A64C-3708-F7AB78B0CAC9}"/>
+          </ac:picMkLst>
+        </pc:picChg>
+        <pc:picChg chg="add del mod topLvl">
+          <ac:chgData name="Djavan De Clercq" userId="584e75b4acd72a0d" providerId="LiveId" clId="{3A7AFB8D-0C2D-4820-813A-B3FD0F974B3B}" dt="2023-12-22T16:59:56.614" v="365" actId="478"/>
+          <ac:picMkLst>
+            <pc:docMk/>
+            <pc:sldMk cId="3547312974" sldId="256"/>
+            <ac:picMk id="10" creationId="{B1C929DE-1B8D-E995-D3D2-EB486DB45ADB}"/>
+          </ac:picMkLst>
+        </pc:picChg>
+        <pc:picChg chg="mod">
+          <ac:chgData name="Djavan De Clercq" userId="584e75b4acd72a0d" providerId="LiveId" clId="{3A7AFB8D-0C2D-4820-813A-B3FD0F974B3B}" dt="2023-12-18T22:29:58.453" v="80" actId="571"/>
+          <ac:picMkLst>
+            <pc:docMk/>
+            <pc:sldMk cId="3547312974" sldId="256"/>
+            <ac:picMk id="12" creationId="{ACF2ACA4-292A-ABF0-BB8A-B228FAD89E4F}"/>
+          </ac:picMkLst>
+        </pc:picChg>
+        <pc:picChg chg="mod">
+          <ac:chgData name="Djavan De Clercq" userId="584e75b4acd72a0d" providerId="LiveId" clId="{3A7AFB8D-0C2D-4820-813A-B3FD0F974B3B}" dt="2023-12-18T22:29:58.453" v="80" actId="571"/>
+          <ac:picMkLst>
+            <pc:docMk/>
+            <pc:sldMk cId="3547312974" sldId="256"/>
+            <ac:picMk id="13" creationId="{91800ACD-6D82-1C80-FF34-1EEDEF310B04}"/>
+          </ac:picMkLst>
+        </pc:picChg>
+        <pc:picChg chg="add del mod">
+          <ac:chgData name="Djavan De Clercq" userId="584e75b4acd72a0d" providerId="LiveId" clId="{3A7AFB8D-0C2D-4820-813A-B3FD0F974B3B}" dt="2023-12-22T16:59:25" v="361" actId="478"/>
+          <ac:picMkLst>
+            <pc:docMk/>
+            <pc:sldMk cId="3547312974" sldId="256"/>
+            <ac:picMk id="17" creationId="{1DB07CB7-99DF-546E-55DE-03659B0E9519}"/>
+          </ac:picMkLst>
+        </pc:picChg>
+        <pc:picChg chg="add del mod ord topLvl">
+          <ac:chgData name="Djavan De Clercq" userId="584e75b4acd72a0d" providerId="LiveId" clId="{3A7AFB8D-0C2D-4820-813A-B3FD0F974B3B}" dt="2023-12-22T17:06:17.209" v="384" actId="478"/>
+          <ac:picMkLst>
+            <pc:docMk/>
+            <pc:sldMk cId="3547312974" sldId="256"/>
+            <ac:picMk id="19" creationId="{5A989DB0-DF8B-0A23-00E0-384507ED6FD0}"/>
+          </ac:picMkLst>
+        </pc:picChg>
+        <pc:picChg chg="add mod ord">
+          <ac:chgData name="Djavan De Clercq" userId="584e75b4acd72a0d" providerId="LiveId" clId="{3A7AFB8D-0C2D-4820-813A-B3FD0F974B3B}" dt="2023-12-22T17:06:51.434" v="389" actId="164"/>
+          <ac:picMkLst>
+            <pc:docMk/>
+            <pc:sldMk cId="3547312974" sldId="256"/>
+            <ac:picMk id="23" creationId="{1242924E-DDDF-5B2B-E1F0-11FEB9F84FDD}"/>
+          </ac:picMkLst>
+        </pc:picChg>
+        <pc:picChg chg="mod">
+          <ac:chgData name="Djavan De Clercq" userId="584e75b4acd72a0d" providerId="LiveId" clId="{3A7AFB8D-0C2D-4820-813A-B3FD0F974B3B}" dt="2023-12-22T17:06:09.086" v="381" actId="165"/>
+          <ac:picMkLst>
+            <pc:docMk/>
+            <pc:sldMk cId="3547312974" sldId="256"/>
+            <ac:picMk id="31" creationId="{11A738A1-E7E9-9FA6-E7CD-C69B3BE92979}"/>
+          </ac:picMkLst>
+        </pc:picChg>
+        <pc:picChg chg="mod">
+          <ac:chgData name="Djavan De Clercq" userId="584e75b4acd72a0d" providerId="LiveId" clId="{3A7AFB8D-0C2D-4820-813A-B3FD0F974B3B}" dt="2023-12-22T17:06:09.086" v="381" actId="165"/>
+          <ac:picMkLst>
+            <pc:docMk/>
+            <pc:sldMk cId="3547312974" sldId="256"/>
+            <ac:picMk id="33" creationId="{F60263FC-C166-0838-241E-CC828CEA3DF8}"/>
+          </ac:picMkLst>
+        </pc:picChg>
+      </pc:sldChg>
       <pc:sldChg chg="addSp modSp mod">
-        <pc:chgData name="Djavan De Clercq" userId="584e75b4acd72a0d" providerId="LiveId" clId="{3A7AFB8D-0C2D-4820-813A-B3FD0F974B3B}" dt="2023-12-18T21:34:33.098" v="25" actId="1076"/>
+        <pc:chgData name="Djavan De Clercq" userId="584e75b4acd72a0d" providerId="LiveId" clId="{3A7AFB8D-0C2D-4820-813A-B3FD0F974B3B}" dt="2023-12-19T08:38:35.343" v="117" actId="164"/>
+        <pc:sldMkLst>
+          <pc:docMk/>
+          <pc:sldMk cId="3153098696" sldId="257"/>
+        </pc:sldMkLst>
+        <pc:spChg chg="add mod">
+          <ac:chgData name="Djavan De Clercq" userId="584e75b4acd72a0d" providerId="LiveId" clId="{3A7AFB8D-0C2D-4820-813A-B3FD0F974B3B}" dt="2023-12-19T08:38:35.343" v="117" actId="164"/>
+          <ac:spMkLst>
+            <pc:docMk/>
+            <pc:sldMk cId="3153098696" sldId="257"/>
+            <ac:spMk id="2" creationId="{17F35085-A4BB-B4E8-C280-4BF767B65979}"/>
+          </ac:spMkLst>
+        </pc:spChg>
+        <pc:spChg chg="add mod">
+          <ac:chgData name="Djavan De Clercq" userId="584e75b4acd72a0d" providerId="LiveId" clId="{3A7AFB8D-0C2D-4820-813A-B3FD0F974B3B}" dt="2023-12-19T08:38:35.343" v="117" actId="164"/>
+          <ac:spMkLst>
+            <pc:docMk/>
+            <pc:sldMk cId="3153098696" sldId="257"/>
+            <ac:spMk id="3" creationId="{C9CD6493-660B-8E1A-F2C1-E8527A56E443}"/>
+          </ac:spMkLst>
+        </pc:spChg>
+        <pc:spChg chg="add mod">
+          <ac:chgData name="Djavan De Clercq" userId="584e75b4acd72a0d" providerId="LiveId" clId="{3A7AFB8D-0C2D-4820-813A-B3FD0F974B3B}" dt="2023-12-19T08:37:38.883" v="99" actId="571"/>
+          <ac:spMkLst>
+            <pc:docMk/>
+            <pc:sldMk cId="3153098696" sldId="257"/>
+            <ac:spMk id="22" creationId="{8BB4B872-EC61-E183-BBB4-48CCA8F4733F}"/>
+          </ac:spMkLst>
+        </pc:spChg>
+        <pc:spChg chg="add mod">
+          <ac:chgData name="Djavan De Clercq" userId="584e75b4acd72a0d" providerId="LiveId" clId="{3A7AFB8D-0C2D-4820-813A-B3FD0F974B3B}" dt="2023-12-19T08:38:35.343" v="117" actId="164"/>
+          <ac:spMkLst>
+            <pc:docMk/>
+            <pc:sldMk cId="3153098696" sldId="257"/>
+            <ac:spMk id="24" creationId="{1A916A4C-9DFB-BC9C-F507-F490372661AF}"/>
+          </ac:spMkLst>
+        </pc:spChg>
+        <pc:spChg chg="add mod">
+          <ac:chgData name="Djavan De Clercq" userId="584e75b4acd72a0d" providerId="LiveId" clId="{3A7AFB8D-0C2D-4820-813A-B3FD0F974B3B}" dt="2023-12-19T08:38:35.343" v="117" actId="164"/>
+          <ac:spMkLst>
+            <pc:docMk/>
+            <pc:sldMk cId="3153098696" sldId="257"/>
+            <ac:spMk id="25" creationId="{438AD93A-B5B7-9CB2-3F4D-5D4205829987}"/>
+          </ac:spMkLst>
+        </pc:spChg>
+        <pc:spChg chg="add mod">
+          <ac:chgData name="Djavan De Clercq" userId="584e75b4acd72a0d" providerId="LiveId" clId="{3A7AFB8D-0C2D-4820-813A-B3FD0F974B3B}" dt="2023-12-19T08:38:35.343" v="117" actId="164"/>
+          <ac:spMkLst>
+            <pc:docMk/>
+            <pc:sldMk cId="3153098696" sldId="257"/>
+            <ac:spMk id="26" creationId="{CB822454-6F18-6F17-3082-AC4912FB4E6D}"/>
+          </ac:spMkLst>
+        </pc:spChg>
+        <pc:spChg chg="add mod">
+          <ac:chgData name="Djavan De Clercq" userId="584e75b4acd72a0d" providerId="LiveId" clId="{3A7AFB8D-0C2D-4820-813A-B3FD0F974B3B}" dt="2023-12-19T08:38:35.343" v="117" actId="164"/>
+          <ac:spMkLst>
+            <pc:docMk/>
+            <pc:sldMk cId="3153098696" sldId="257"/>
+            <ac:spMk id="27" creationId="{2597037B-8C13-7808-5DD6-120BEEF9845E}"/>
+          </ac:spMkLst>
+        </pc:spChg>
+        <pc:spChg chg="add mod">
+          <ac:chgData name="Djavan De Clercq" userId="584e75b4acd72a0d" providerId="LiveId" clId="{3A7AFB8D-0C2D-4820-813A-B3FD0F974B3B}" dt="2023-12-19T08:38:35.343" v="117" actId="164"/>
+          <ac:spMkLst>
+            <pc:docMk/>
+            <pc:sldMk cId="3153098696" sldId="257"/>
+            <ac:spMk id="28" creationId="{E641452A-A93F-7F96-057E-2308B41025BC}"/>
+          </ac:spMkLst>
+        </pc:spChg>
+        <pc:spChg chg="add mod">
+          <ac:chgData name="Djavan De Clercq" userId="584e75b4acd72a0d" providerId="LiveId" clId="{3A7AFB8D-0C2D-4820-813A-B3FD0F974B3B}" dt="2023-12-19T08:38:35.343" v="117" actId="164"/>
+          <ac:spMkLst>
+            <pc:docMk/>
+            <pc:sldMk cId="3153098696" sldId="257"/>
+            <ac:spMk id="30" creationId="{341A2956-AAC0-051D-68B4-39A627458040}"/>
+          </ac:spMkLst>
+        </pc:spChg>
+        <pc:spChg chg="add mod">
+          <ac:chgData name="Djavan De Clercq" userId="584e75b4acd72a0d" providerId="LiveId" clId="{3A7AFB8D-0C2D-4820-813A-B3FD0F974B3B}" dt="2023-12-19T08:38:35.343" v="117" actId="164"/>
+          <ac:spMkLst>
+            <pc:docMk/>
+            <pc:sldMk cId="3153098696" sldId="257"/>
+            <ac:spMk id="31" creationId="{C1C8148E-2189-C889-901D-EB81BB6BE2B3}"/>
+          </ac:spMkLst>
+        </pc:spChg>
+        <pc:grpChg chg="add mod">
+          <ac:chgData name="Djavan De Clercq" userId="584e75b4acd72a0d" providerId="LiveId" clId="{3A7AFB8D-0C2D-4820-813A-B3FD0F974B3B}" dt="2023-12-19T08:37:38.883" v="99" actId="571"/>
+          <ac:grpSpMkLst>
+            <pc:docMk/>
+            <pc:sldMk cId="3153098696" sldId="257"/>
+            <ac:grpSpMk id="4" creationId="{E9CC0D30-87A9-63EE-9FF6-802E6EB77B5F}"/>
+          </ac:grpSpMkLst>
+        </pc:grpChg>
+        <pc:grpChg chg="mod">
+          <ac:chgData name="Djavan De Clercq" userId="584e75b4acd72a0d" providerId="LiveId" clId="{3A7AFB8D-0C2D-4820-813A-B3FD0F974B3B}" dt="2023-12-19T08:38:35.343" v="117" actId="164"/>
+          <ac:grpSpMkLst>
+            <pc:docMk/>
+            <pc:sldMk cId="3153098696" sldId="257"/>
+            <ac:grpSpMk id="29" creationId="{F4686D60-1AE7-331C-4983-0A15B8EBCEC0}"/>
+          </ac:grpSpMkLst>
+        </pc:grpChg>
+        <pc:grpChg chg="add mod">
+          <ac:chgData name="Djavan De Clercq" userId="584e75b4acd72a0d" providerId="LiveId" clId="{3A7AFB8D-0C2D-4820-813A-B3FD0F974B3B}" dt="2023-12-19T08:38:35.343" v="117" actId="164"/>
+          <ac:grpSpMkLst>
+            <pc:docMk/>
+            <pc:sldMk cId="3153098696" sldId="257"/>
+            <ac:grpSpMk id="32" creationId="{185667D3-F638-B48E-4345-AEC823A824A3}"/>
+          </ac:grpSpMkLst>
+        </pc:grpChg>
+        <pc:picChg chg="mod">
+          <ac:chgData name="Djavan De Clercq" userId="584e75b4acd72a0d" providerId="LiveId" clId="{3A7AFB8D-0C2D-4820-813A-B3FD0F974B3B}" dt="2023-12-19T08:37:38.883" v="99" actId="571"/>
+          <ac:picMkLst>
+            <pc:docMk/>
+            <pc:sldMk cId="3153098696" sldId="257"/>
+            <ac:picMk id="5" creationId="{CD2F5245-CDE8-80CE-A246-C01155803380}"/>
+          </ac:picMkLst>
+        </pc:picChg>
+        <pc:picChg chg="mod">
+          <ac:chgData name="Djavan De Clercq" userId="584e75b4acd72a0d" providerId="LiveId" clId="{3A7AFB8D-0C2D-4820-813A-B3FD0F974B3B}" dt="2023-12-19T08:37:38.883" v="99" actId="571"/>
+          <ac:picMkLst>
+            <pc:docMk/>
+            <pc:sldMk cId="3153098696" sldId="257"/>
+            <ac:picMk id="6" creationId="{FC266A6E-F114-C0D3-7D6C-6873F24804BC}"/>
+          </ac:picMkLst>
+        </pc:picChg>
+        <pc:picChg chg="mod">
+          <ac:chgData name="Djavan De Clercq" userId="584e75b4acd72a0d" providerId="LiveId" clId="{3A7AFB8D-0C2D-4820-813A-B3FD0F974B3B}" dt="2023-12-19T08:37:38.883" v="99" actId="571"/>
+          <ac:picMkLst>
+            <pc:docMk/>
+            <pc:sldMk cId="3153098696" sldId="257"/>
+            <ac:picMk id="8" creationId="{5CA1EFB2-AF99-E803-4976-D022E1877C6A}"/>
+          </ac:picMkLst>
+        </pc:picChg>
+        <pc:picChg chg="mod">
+          <ac:chgData name="Djavan De Clercq" userId="584e75b4acd72a0d" providerId="LiveId" clId="{3A7AFB8D-0C2D-4820-813A-B3FD0F974B3B}" dt="2023-12-19T08:37:38.883" v="99" actId="571"/>
+          <ac:picMkLst>
+            <pc:docMk/>
+            <pc:sldMk cId="3153098696" sldId="257"/>
+            <ac:picMk id="10" creationId="{A5876525-743B-73A8-CC8B-90445C9FE8EF}"/>
+          </ac:picMkLst>
+        </pc:picChg>
+        <pc:picChg chg="mod">
+          <ac:chgData name="Djavan De Clercq" userId="584e75b4acd72a0d" providerId="LiveId" clId="{3A7AFB8D-0C2D-4820-813A-B3FD0F974B3B}" dt="2023-12-19T08:37:38.883" v="99" actId="571"/>
+          <ac:picMkLst>
+            <pc:docMk/>
+            <pc:sldMk cId="3153098696" sldId="257"/>
+            <ac:picMk id="12" creationId="{C88BA4C4-E8E7-1BA6-7859-338834443004}"/>
+          </ac:picMkLst>
+        </pc:picChg>
+        <pc:picChg chg="mod">
+          <ac:chgData name="Djavan De Clercq" userId="584e75b4acd72a0d" providerId="LiveId" clId="{3A7AFB8D-0C2D-4820-813A-B3FD0F974B3B}" dt="2023-12-19T08:37:38.883" v="99" actId="571"/>
+          <ac:picMkLst>
+            <pc:docMk/>
+            <pc:sldMk cId="3153098696" sldId="257"/>
+            <ac:picMk id="14" creationId="{B7E80B61-983D-7A55-82A9-3F12437FE23F}"/>
+          </ac:picMkLst>
+        </pc:picChg>
+        <pc:picChg chg="mod">
+          <ac:chgData name="Djavan De Clercq" userId="584e75b4acd72a0d" providerId="LiveId" clId="{3A7AFB8D-0C2D-4820-813A-B3FD0F974B3B}" dt="2023-12-19T08:37:38.883" v="99" actId="571"/>
+          <ac:picMkLst>
+            <pc:docMk/>
+            <pc:sldMk cId="3153098696" sldId="257"/>
+            <ac:picMk id="16" creationId="{C5936CA5-4A1F-4BB7-90C8-ACB2F676B896}"/>
+          </ac:picMkLst>
+        </pc:picChg>
+        <pc:picChg chg="mod">
+          <ac:chgData name="Djavan De Clercq" userId="584e75b4acd72a0d" providerId="LiveId" clId="{3A7AFB8D-0C2D-4820-813A-B3FD0F974B3B}" dt="2023-12-19T08:37:38.883" v="99" actId="571"/>
+          <ac:picMkLst>
+            <pc:docMk/>
+            <pc:sldMk cId="3153098696" sldId="257"/>
+            <ac:picMk id="18" creationId="{DE234C00-BFCD-F0DD-101D-7ACA0AFB83A3}"/>
+          </ac:picMkLst>
+        </pc:picChg>
+        <pc:picChg chg="mod">
+          <ac:chgData name="Djavan De Clercq" userId="584e75b4acd72a0d" providerId="LiveId" clId="{3A7AFB8D-0C2D-4820-813A-B3FD0F974B3B}" dt="2023-12-19T08:37:38.883" v="99" actId="571"/>
+          <ac:picMkLst>
+            <pc:docMk/>
+            <pc:sldMk cId="3153098696" sldId="257"/>
+            <ac:picMk id="20" creationId="{905769F0-A838-0C1E-86B0-506709253420}"/>
+          </ac:picMkLst>
+        </pc:picChg>
+      </pc:sldChg>
+      <pc:sldChg chg="addSp delSp modSp mod">
+        <pc:chgData name="Djavan De Clercq" userId="584e75b4acd72a0d" providerId="LiveId" clId="{3A7AFB8D-0C2D-4820-813A-B3FD0F974B3B}" dt="2023-12-19T08:36:59.691" v="90" actId="20577"/>
         <pc:sldMkLst>
           <pc:docMk/>
           <pc:sldMk cId="3884869438" sldId="258"/>
         </pc:sldMkLst>
+        <pc:spChg chg="add mod topLvl">
+          <ac:chgData name="Djavan De Clercq" userId="584e75b4acd72a0d" providerId="LiveId" clId="{3A7AFB8D-0C2D-4820-813A-B3FD0F974B3B}" dt="2023-12-18T22:12:01.350" v="71" actId="164"/>
+          <ac:spMkLst>
+            <pc:docMk/>
+            <pc:sldMk cId="3884869438" sldId="258"/>
+            <ac:spMk id="3" creationId="{11FF0A11-87E6-7891-D570-9ECD69D79E87}"/>
+          </ac:spMkLst>
+        </pc:spChg>
+        <pc:spChg chg="add mod topLvl">
+          <ac:chgData name="Djavan De Clercq" userId="584e75b4acd72a0d" providerId="LiveId" clId="{3A7AFB8D-0C2D-4820-813A-B3FD0F974B3B}" dt="2023-12-18T22:12:01.350" v="71" actId="164"/>
+          <ac:spMkLst>
+            <pc:docMk/>
+            <pc:sldMk cId="3884869438" sldId="258"/>
+            <ac:spMk id="4" creationId="{3E0FD78F-454F-6012-BAF3-E80143E97DF7}"/>
+          </ac:spMkLst>
+        </pc:spChg>
+        <pc:spChg chg="add mod topLvl">
+          <ac:chgData name="Djavan De Clercq" userId="584e75b4acd72a0d" providerId="LiveId" clId="{3A7AFB8D-0C2D-4820-813A-B3FD0F974B3B}" dt="2023-12-18T22:12:01.350" v="71" actId="164"/>
+          <ac:spMkLst>
+            <pc:docMk/>
+            <pc:sldMk cId="3884869438" sldId="258"/>
+            <ac:spMk id="6" creationId="{E3CEEFA1-7391-7CE7-5A4E-9900484F0058}"/>
+          </ac:spMkLst>
+        </pc:spChg>
+        <pc:spChg chg="add mod">
+          <ac:chgData name="Djavan De Clercq" userId="584e75b4acd72a0d" providerId="LiveId" clId="{3A7AFB8D-0C2D-4820-813A-B3FD0F974B3B}" dt="2023-12-18T21:57:09.611" v="55" actId="571"/>
+          <ac:spMkLst>
+            <pc:docMk/>
+            <pc:sldMk cId="3884869438" sldId="258"/>
+            <ac:spMk id="25" creationId="{D24E4BC5-E264-B220-E4A0-D08C4D718B9E}"/>
+          </ac:spMkLst>
+        </pc:spChg>
+        <pc:spChg chg="add mod">
+          <ac:chgData name="Djavan De Clercq" userId="584e75b4acd72a0d" providerId="LiveId" clId="{3A7AFB8D-0C2D-4820-813A-B3FD0F974B3B}" dt="2023-12-18T21:57:09.611" v="55" actId="571"/>
+          <ac:spMkLst>
+            <pc:docMk/>
+            <pc:sldMk cId="3884869438" sldId="258"/>
+            <ac:spMk id="26" creationId="{5632761D-A018-E6EF-D59B-55395D83FF02}"/>
+          </ac:spMkLst>
+        </pc:spChg>
+        <pc:spChg chg="add mod">
+          <ac:chgData name="Djavan De Clercq" userId="584e75b4acd72a0d" providerId="LiveId" clId="{3A7AFB8D-0C2D-4820-813A-B3FD0F974B3B}" dt="2023-12-18T21:57:09.611" v="55" actId="571"/>
+          <ac:spMkLst>
+            <pc:docMk/>
+            <pc:sldMk cId="3884869438" sldId="258"/>
+            <ac:spMk id="27" creationId="{8CC26741-C01E-CAAD-4456-8D2F9CB45CAE}"/>
+          </ac:spMkLst>
+        </pc:spChg>
+        <pc:spChg chg="add mod topLvl">
+          <ac:chgData name="Djavan De Clercq" userId="584e75b4acd72a0d" providerId="LiveId" clId="{3A7AFB8D-0C2D-4820-813A-B3FD0F974B3B}" dt="2023-12-18T22:12:01.350" v="71" actId="164"/>
+          <ac:spMkLst>
+            <pc:docMk/>
+            <pc:sldMk cId="3884869438" sldId="258"/>
+            <ac:spMk id="28" creationId="{C7F7051D-90B8-3561-3749-A3914BD883EF}"/>
+          </ac:spMkLst>
+        </pc:spChg>
+        <pc:spChg chg="add mod topLvl">
+          <ac:chgData name="Djavan De Clercq" userId="584e75b4acd72a0d" providerId="LiveId" clId="{3A7AFB8D-0C2D-4820-813A-B3FD0F974B3B}" dt="2023-12-19T08:36:59.691" v="90" actId="20577"/>
+          <ac:spMkLst>
+            <pc:docMk/>
+            <pc:sldMk cId="3884869438" sldId="258"/>
+            <ac:spMk id="29" creationId="{C074CFFF-E174-4C50-ECBA-0AFBE8F18DD3}"/>
+          </ac:spMkLst>
+        </pc:spChg>
+        <pc:spChg chg="add mod topLvl">
+          <ac:chgData name="Djavan De Clercq" userId="584e75b4acd72a0d" providerId="LiveId" clId="{3A7AFB8D-0C2D-4820-813A-B3FD0F974B3B}" dt="2023-12-18T22:12:01.350" v="71" actId="164"/>
+          <ac:spMkLst>
+            <pc:docMk/>
+            <pc:sldMk cId="3884869438" sldId="258"/>
+            <ac:spMk id="30" creationId="{3662BFA2-8A46-1446-94FF-B26CD5F4FEF2}"/>
+          </ac:spMkLst>
+        </pc:spChg>
+        <pc:spChg chg="add mod topLvl">
+          <ac:chgData name="Djavan De Clercq" userId="584e75b4acd72a0d" providerId="LiveId" clId="{3A7AFB8D-0C2D-4820-813A-B3FD0F974B3B}" dt="2023-12-18T22:12:01.350" v="71" actId="164"/>
+          <ac:spMkLst>
+            <pc:docMk/>
+            <pc:sldMk cId="3884869438" sldId="258"/>
+            <ac:spMk id="31" creationId="{E792F91B-885A-B849-4AA2-C07342D91B64}"/>
+          </ac:spMkLst>
+        </pc:spChg>
+        <pc:spChg chg="add mod topLvl">
+          <ac:chgData name="Djavan De Clercq" userId="584e75b4acd72a0d" providerId="LiveId" clId="{3A7AFB8D-0C2D-4820-813A-B3FD0F974B3B}" dt="2023-12-18T22:12:01.350" v="71" actId="164"/>
+          <ac:spMkLst>
+            <pc:docMk/>
+            <pc:sldMk cId="3884869438" sldId="258"/>
+            <ac:spMk id="32" creationId="{8301818D-B6F5-7AFB-51A7-796CE1962561}"/>
+          </ac:spMkLst>
+        </pc:spChg>
+        <pc:spChg chg="add mod topLvl">
+          <ac:chgData name="Djavan De Clercq" userId="584e75b4acd72a0d" providerId="LiveId" clId="{3A7AFB8D-0C2D-4820-813A-B3FD0F974B3B}" dt="2023-12-18T22:12:01.350" v="71" actId="164"/>
+          <ac:spMkLst>
+            <pc:docMk/>
+            <pc:sldMk cId="3884869438" sldId="258"/>
+            <ac:spMk id="33" creationId="{268A275F-14E2-825A-1DD0-75E6358927D2}"/>
+          </ac:spMkLst>
+        </pc:spChg>
+        <pc:grpChg chg="add mod topLvl">
+          <ac:chgData name="Djavan De Clercq" userId="584e75b4acd72a0d" providerId="LiveId" clId="{3A7AFB8D-0C2D-4820-813A-B3FD0F974B3B}" dt="2023-12-18T22:12:01.350" v="71" actId="164"/>
+          <ac:grpSpMkLst>
+            <pc:docMk/>
+            <pc:sldMk cId="3884869438" sldId="258"/>
+            <ac:grpSpMk id="2" creationId="{861FB67E-FE4D-D503-7481-D600916F1400}"/>
+          </ac:grpSpMkLst>
+        </pc:grpChg>
+        <pc:grpChg chg="add mod">
+          <ac:chgData name="Djavan De Clercq" userId="584e75b4acd72a0d" providerId="LiveId" clId="{3A7AFB8D-0C2D-4820-813A-B3FD0F974B3B}" dt="2023-12-18T21:57:09.611" v="55" actId="571"/>
+          <ac:grpSpMkLst>
+            <pc:docMk/>
+            <pc:sldMk cId="3884869438" sldId="258"/>
+            <ac:grpSpMk id="8" creationId="{240CAE64-B1D2-3DFA-7C6D-C0D958AAEF67}"/>
+          </ac:grpSpMkLst>
+        </pc:grpChg>
+        <pc:grpChg chg="add del mod">
+          <ac:chgData name="Djavan De Clercq" userId="584e75b4acd72a0d" providerId="LiveId" clId="{3A7AFB8D-0C2D-4820-813A-B3FD0F974B3B}" dt="2023-12-18T22:11:19.369" v="68" actId="165"/>
+          <ac:grpSpMkLst>
+            <pc:docMk/>
+            <pc:sldMk cId="3884869438" sldId="258"/>
+            <ac:grpSpMk id="34" creationId="{6F19B9B7-5789-E940-6E94-247929F8E2C4}"/>
+          </ac:grpSpMkLst>
+        </pc:grpChg>
+        <pc:grpChg chg="add mod">
+          <ac:chgData name="Djavan De Clercq" userId="584e75b4acd72a0d" providerId="LiveId" clId="{3A7AFB8D-0C2D-4820-813A-B3FD0F974B3B}" dt="2023-12-18T22:12:01.350" v="71" actId="164"/>
+          <ac:grpSpMkLst>
+            <pc:docMk/>
+            <pc:sldMk cId="3884869438" sldId="258"/>
+            <ac:grpSpMk id="35" creationId="{10769E8A-BAD7-A6DB-3847-6D5EB0D3E6C1}"/>
+          </ac:grpSpMkLst>
+        </pc:grpChg>
         <pc:picChg chg="mod">
-          <ac:chgData name="Djavan De Clercq" userId="584e75b4acd72a0d" providerId="LiveId" clId="{3A7AFB8D-0C2D-4820-813A-B3FD0F974B3B}" dt="2023-12-18T21:34:33.098" v="25" actId="1076"/>
+          <ac:chgData name="Djavan De Clercq" userId="584e75b4acd72a0d" providerId="LiveId" clId="{3A7AFB8D-0C2D-4820-813A-B3FD0F974B3B}" dt="2023-12-18T22:11:19.369" v="68" actId="165"/>
+          <ac:picMkLst>
+            <pc:docMk/>
+            <pc:sldMk cId="3884869438" sldId="258"/>
+            <ac:picMk id="5" creationId="{A76BF9F7-F5B3-3ED4-FEC5-D0B0AF5F7B15}"/>
+          </ac:picMkLst>
+        </pc:picChg>
+        <pc:picChg chg="mod">
+          <ac:chgData name="Djavan De Clercq" userId="584e75b4acd72a0d" providerId="LiveId" clId="{3A7AFB8D-0C2D-4820-813A-B3FD0F974B3B}" dt="2023-12-18T22:11:19.369" v="68" actId="165"/>
+          <ac:picMkLst>
+            <pc:docMk/>
+            <pc:sldMk cId="3884869438" sldId="258"/>
+            <ac:picMk id="7" creationId="{6805BA20-7FC3-8A1D-3253-B910CD20D0A5}"/>
+          </ac:picMkLst>
+        </pc:picChg>
+        <pc:picChg chg="mod">
+          <ac:chgData name="Djavan De Clercq" userId="584e75b4acd72a0d" providerId="LiveId" clId="{3A7AFB8D-0C2D-4820-813A-B3FD0F974B3B}" dt="2023-12-18T22:11:19.369" v="68" actId="165"/>
+          <ac:picMkLst>
+            <pc:docMk/>
+            <pc:sldMk cId="3884869438" sldId="258"/>
+            <ac:picMk id="9" creationId="{284FB9BB-5430-7782-D3AC-DA6FD60ACC4F}"/>
+          </ac:picMkLst>
+        </pc:picChg>
+        <pc:picChg chg="mod">
+          <ac:chgData name="Djavan De Clercq" userId="584e75b4acd72a0d" providerId="LiveId" clId="{3A7AFB8D-0C2D-4820-813A-B3FD0F974B3B}" dt="2023-12-18T21:57:09.611" v="55" actId="571"/>
+          <ac:picMkLst>
+            <pc:docMk/>
+            <pc:sldMk cId="3884869438" sldId="258"/>
+            <ac:picMk id="10" creationId="{E9EBEC6F-AA80-8078-FB07-E4FD3F362C8B}"/>
+          </ac:picMkLst>
+        </pc:picChg>
+        <pc:picChg chg="mod">
+          <ac:chgData name="Djavan De Clercq" userId="584e75b4acd72a0d" providerId="LiveId" clId="{3A7AFB8D-0C2D-4820-813A-B3FD0F974B3B}" dt="2023-12-18T21:57:09.611" v="55" actId="571"/>
+          <ac:picMkLst>
+            <pc:docMk/>
+            <pc:sldMk cId="3884869438" sldId="258"/>
+            <ac:picMk id="11" creationId="{407BB042-C6A3-2A14-8288-236371B0658C}"/>
+          </ac:picMkLst>
+        </pc:picChg>
+        <pc:picChg chg="mod">
+          <ac:chgData name="Djavan De Clercq" userId="584e75b4acd72a0d" providerId="LiveId" clId="{3A7AFB8D-0C2D-4820-813A-B3FD0F974B3B}" dt="2023-12-18T22:11:19.369" v="68" actId="165"/>
           <ac:picMkLst>
             <pc:docMk/>
             <pc:sldMk cId="3884869438" sldId="258"/>
@@ -133,7 +769,15 @@
           </ac:picMkLst>
         </pc:picChg>
         <pc:picChg chg="mod">
-          <ac:chgData name="Djavan De Clercq" userId="584e75b4acd72a0d" providerId="LiveId" clId="{3A7AFB8D-0C2D-4820-813A-B3FD0F974B3B}" dt="2023-12-18T21:34:33.098" v="25" actId="1076"/>
+          <ac:chgData name="Djavan De Clercq" userId="584e75b4acd72a0d" providerId="LiveId" clId="{3A7AFB8D-0C2D-4820-813A-B3FD0F974B3B}" dt="2023-12-18T21:57:09.611" v="55" actId="571"/>
+          <ac:picMkLst>
+            <pc:docMk/>
+            <pc:sldMk cId="3884869438" sldId="258"/>
+            <ac:picMk id="13" creationId="{0E889FCC-E0F0-7C65-4E5D-A98D9EEE498F}"/>
+          </ac:picMkLst>
+        </pc:picChg>
+        <pc:picChg chg="mod">
+          <ac:chgData name="Djavan De Clercq" userId="584e75b4acd72a0d" providerId="LiveId" clId="{3A7AFB8D-0C2D-4820-813A-B3FD0F974B3B}" dt="2023-12-18T22:11:19.369" v="68" actId="165"/>
           <ac:picMkLst>
             <pc:docMk/>
             <pc:sldMk cId="3884869438" sldId="258"/>
@@ -141,35 +785,346 @@
           </ac:picMkLst>
         </pc:picChg>
         <pc:picChg chg="mod">
-          <ac:chgData name="Djavan De Clercq" userId="584e75b4acd72a0d" providerId="LiveId" clId="{3A7AFB8D-0C2D-4820-813A-B3FD0F974B3B}" dt="2023-12-18T21:34:33.098" v="25" actId="1076"/>
+          <ac:chgData name="Djavan De Clercq" userId="584e75b4acd72a0d" providerId="LiveId" clId="{3A7AFB8D-0C2D-4820-813A-B3FD0F974B3B}" dt="2023-12-18T21:57:09.611" v="55" actId="571"/>
+          <ac:picMkLst>
+            <pc:docMk/>
+            <pc:sldMk cId="3884869438" sldId="258"/>
+            <ac:picMk id="15" creationId="{71566632-5210-DCE7-B225-2174ECA07A9D}"/>
+          </ac:picMkLst>
+        </pc:picChg>
+        <pc:picChg chg="mod">
+          <ac:chgData name="Djavan De Clercq" userId="584e75b4acd72a0d" providerId="LiveId" clId="{3A7AFB8D-0C2D-4820-813A-B3FD0F974B3B}" dt="2023-12-18T22:11:19.369" v="68" actId="165"/>
           <ac:picMkLst>
             <pc:docMk/>
             <pc:sldMk cId="3884869438" sldId="258"/>
             <ac:picMk id="16" creationId="{D12B9681-BB0A-A914-A2E6-7B16854923CF}"/>
           </ac:picMkLst>
         </pc:picChg>
+        <pc:picChg chg="mod">
+          <ac:chgData name="Djavan De Clercq" userId="584e75b4acd72a0d" providerId="LiveId" clId="{3A7AFB8D-0C2D-4820-813A-B3FD0F974B3B}" dt="2023-12-18T21:57:09.611" v="55" actId="571"/>
+          <ac:picMkLst>
+            <pc:docMk/>
+            <pc:sldMk cId="3884869438" sldId="258"/>
+            <ac:picMk id="17" creationId="{C5A42D87-E408-A174-1A19-F735E3ACF3AD}"/>
+          </ac:picMkLst>
+        </pc:picChg>
         <pc:picChg chg="add mod">
-          <ac:chgData name="Djavan De Clercq" userId="584e75b4acd72a0d" providerId="LiveId" clId="{3A7AFB8D-0C2D-4820-813A-B3FD0F974B3B}" dt="2023-12-18T21:34:24.350" v="24" actId="1076"/>
+          <ac:chgData name="Djavan De Clercq" userId="584e75b4acd72a0d" providerId="LiveId" clId="{3A7AFB8D-0C2D-4820-813A-B3FD0F974B3B}" dt="2023-12-18T22:11:19.369" v="68" actId="165"/>
           <ac:picMkLst>
             <pc:docMk/>
             <pc:sldMk cId="3884869438" sldId="258"/>
             <ac:picMk id="18" creationId="{D6096013-5D77-F5F2-520B-36B9F22DF1C3}"/>
           </ac:picMkLst>
         </pc:picChg>
+        <pc:picChg chg="mod">
+          <ac:chgData name="Djavan De Clercq" userId="584e75b4acd72a0d" providerId="LiveId" clId="{3A7AFB8D-0C2D-4820-813A-B3FD0F974B3B}" dt="2023-12-18T21:57:09.611" v="55" actId="571"/>
+          <ac:picMkLst>
+            <pc:docMk/>
+            <pc:sldMk cId="3884869438" sldId="258"/>
+            <ac:picMk id="19" creationId="{FF520FD9-D7D4-8894-E682-CDABCAE23173}"/>
+          </ac:picMkLst>
+        </pc:picChg>
         <pc:picChg chg="add mod">
-          <ac:chgData name="Djavan De Clercq" userId="584e75b4acd72a0d" providerId="LiveId" clId="{3A7AFB8D-0C2D-4820-813A-B3FD0F974B3B}" dt="2023-12-18T21:34:24.350" v="24" actId="1076"/>
+          <ac:chgData name="Djavan De Clercq" userId="584e75b4acd72a0d" providerId="LiveId" clId="{3A7AFB8D-0C2D-4820-813A-B3FD0F974B3B}" dt="2023-12-18T22:11:19.369" v="68" actId="165"/>
           <ac:picMkLst>
             <pc:docMk/>
             <pc:sldMk cId="3884869438" sldId="258"/>
             <ac:picMk id="20" creationId="{119DBC1C-C550-21E8-FCA6-07D1C70EABFB}"/>
           </ac:picMkLst>
         </pc:picChg>
+        <pc:picChg chg="mod">
+          <ac:chgData name="Djavan De Clercq" userId="584e75b4acd72a0d" providerId="LiveId" clId="{3A7AFB8D-0C2D-4820-813A-B3FD0F974B3B}" dt="2023-12-18T21:57:09.611" v="55" actId="571"/>
+          <ac:picMkLst>
+            <pc:docMk/>
+            <pc:sldMk cId="3884869438" sldId="258"/>
+            <ac:picMk id="21" creationId="{941D4253-4BEF-78DE-E168-769B7CDDF742}"/>
+          </ac:picMkLst>
+        </pc:picChg>
         <pc:picChg chg="add mod">
-          <ac:chgData name="Djavan De Clercq" userId="584e75b4acd72a0d" providerId="LiveId" clId="{3A7AFB8D-0C2D-4820-813A-B3FD0F974B3B}" dt="2023-12-18T21:34:24.350" v="24" actId="1076"/>
+          <ac:chgData name="Djavan De Clercq" userId="584e75b4acd72a0d" providerId="LiveId" clId="{3A7AFB8D-0C2D-4820-813A-B3FD0F974B3B}" dt="2023-12-18T22:11:19.369" v="68" actId="165"/>
           <ac:picMkLst>
             <pc:docMk/>
             <pc:sldMk cId="3884869438" sldId="258"/>
             <ac:picMk id="22" creationId="{DC2344E9-BAA7-853F-CDEB-CFB139F0B85C}"/>
+          </ac:picMkLst>
+        </pc:picChg>
+        <pc:picChg chg="mod">
+          <ac:chgData name="Djavan De Clercq" userId="584e75b4acd72a0d" providerId="LiveId" clId="{3A7AFB8D-0C2D-4820-813A-B3FD0F974B3B}" dt="2023-12-18T21:57:09.611" v="55" actId="571"/>
+          <ac:picMkLst>
+            <pc:docMk/>
+            <pc:sldMk cId="3884869438" sldId="258"/>
+            <ac:picMk id="23" creationId="{588A7EB7-770A-3A57-F9BD-F594FF686A33}"/>
+          </ac:picMkLst>
+        </pc:picChg>
+        <pc:picChg chg="mod">
+          <ac:chgData name="Djavan De Clercq" userId="584e75b4acd72a0d" providerId="LiveId" clId="{3A7AFB8D-0C2D-4820-813A-B3FD0F974B3B}" dt="2023-12-18T21:57:09.611" v="55" actId="571"/>
+          <ac:picMkLst>
+            <pc:docMk/>
+            <pc:sldMk cId="3884869438" sldId="258"/>
+            <ac:picMk id="24" creationId="{A865AB9B-96F3-6FA2-1823-9E935B34FA03}"/>
+          </ac:picMkLst>
+        </pc:picChg>
+      </pc:sldChg>
+      <pc:sldChg chg="addSp delSp modSp new mod ord">
+        <pc:chgData name="Djavan De Clercq" userId="584e75b4acd72a0d" providerId="LiveId" clId="{3A7AFB8D-0C2D-4820-813A-B3FD0F974B3B}" dt="2023-12-19T19:14:44.720" v="281" actId="164"/>
+        <pc:sldMkLst>
+          <pc:docMk/>
+          <pc:sldMk cId="2379081592" sldId="259"/>
+        </pc:sldMkLst>
+        <pc:spChg chg="del">
+          <ac:chgData name="Djavan De Clercq" userId="584e75b4acd72a0d" providerId="LiveId" clId="{3A7AFB8D-0C2D-4820-813A-B3FD0F974B3B}" dt="2023-12-19T18:20:27.076" v="120" actId="478"/>
+          <ac:spMkLst>
+            <pc:docMk/>
+            <pc:sldMk cId="2379081592" sldId="259"/>
+            <ac:spMk id="2" creationId="{1202EDC3-18BF-D7C0-2B3E-C67F7DE7C0D9}"/>
+          </ac:spMkLst>
+        </pc:spChg>
+        <pc:spChg chg="del">
+          <ac:chgData name="Djavan De Clercq" userId="584e75b4acd72a0d" providerId="LiveId" clId="{3A7AFB8D-0C2D-4820-813A-B3FD0F974B3B}" dt="2023-12-19T18:20:27.076" v="120" actId="478"/>
+          <ac:spMkLst>
+            <pc:docMk/>
+            <pc:sldMk cId="2379081592" sldId="259"/>
+            <ac:spMk id="3" creationId="{3E5871A1-CF82-6E1F-787D-E782AA4C20C8}"/>
+          </ac:spMkLst>
+        </pc:spChg>
+        <pc:spChg chg="add del mod">
+          <ac:chgData name="Djavan De Clercq" userId="584e75b4acd72a0d" providerId="LiveId" clId="{3A7AFB8D-0C2D-4820-813A-B3FD0F974B3B}" dt="2023-12-19T19:12:14.909" v="227"/>
+          <ac:spMkLst>
+            <pc:docMk/>
+            <pc:sldMk cId="2379081592" sldId="259"/>
+            <ac:spMk id="38" creationId="{1A34D557-300E-CDF1-52A3-4B084E70C05B}"/>
+          </ac:spMkLst>
+        </pc:spChg>
+        <pc:spChg chg="add mod">
+          <ac:chgData name="Djavan De Clercq" userId="584e75b4acd72a0d" providerId="LiveId" clId="{3A7AFB8D-0C2D-4820-813A-B3FD0F974B3B}" dt="2023-12-19T19:14:44.720" v="281" actId="164"/>
+          <ac:spMkLst>
+            <pc:docMk/>
+            <pc:sldMk cId="2379081592" sldId="259"/>
+            <ac:spMk id="39" creationId="{E102C5F5-B098-573C-DC7B-D4A05BBCAE02}"/>
+          </ac:spMkLst>
+        </pc:spChg>
+        <pc:spChg chg="add mod">
+          <ac:chgData name="Djavan De Clercq" userId="584e75b4acd72a0d" providerId="LiveId" clId="{3A7AFB8D-0C2D-4820-813A-B3FD0F974B3B}" dt="2023-12-19T19:14:44.720" v="281" actId="164"/>
+          <ac:spMkLst>
+            <pc:docMk/>
+            <pc:sldMk cId="2379081592" sldId="259"/>
+            <ac:spMk id="40" creationId="{9AD5592B-085F-7785-79BC-05EC9908FF42}"/>
+          </ac:spMkLst>
+        </pc:spChg>
+        <pc:spChg chg="add mod">
+          <ac:chgData name="Djavan De Clercq" userId="584e75b4acd72a0d" providerId="LiveId" clId="{3A7AFB8D-0C2D-4820-813A-B3FD0F974B3B}" dt="2023-12-19T19:14:44.720" v="281" actId="164"/>
+          <ac:spMkLst>
+            <pc:docMk/>
+            <pc:sldMk cId="2379081592" sldId="259"/>
+            <ac:spMk id="41" creationId="{FD4FC3DA-C6CC-71BA-EEC3-7C94AC55937D}"/>
+          </ac:spMkLst>
+        </pc:spChg>
+        <pc:spChg chg="add mod">
+          <ac:chgData name="Djavan De Clercq" userId="584e75b4acd72a0d" providerId="LiveId" clId="{3A7AFB8D-0C2D-4820-813A-B3FD0F974B3B}" dt="2023-12-19T19:14:15.189" v="265" actId="164"/>
+          <ac:spMkLst>
+            <pc:docMk/>
+            <pc:sldMk cId="2379081592" sldId="259"/>
+            <ac:spMk id="42" creationId="{8E995B97-AC52-FD3B-9E1D-47A3476A01A4}"/>
+          </ac:spMkLst>
+        </pc:spChg>
+        <pc:spChg chg="add mod">
+          <ac:chgData name="Djavan De Clercq" userId="584e75b4acd72a0d" providerId="LiveId" clId="{3A7AFB8D-0C2D-4820-813A-B3FD0F974B3B}" dt="2023-12-19T19:14:15.189" v="265" actId="164"/>
+          <ac:spMkLst>
+            <pc:docMk/>
+            <pc:sldMk cId="2379081592" sldId="259"/>
+            <ac:spMk id="43" creationId="{7C505F1B-7CCF-8961-1572-D4C980B6707D}"/>
+          </ac:spMkLst>
+        </pc:spChg>
+        <pc:spChg chg="add mod">
+          <ac:chgData name="Djavan De Clercq" userId="584e75b4acd72a0d" providerId="LiveId" clId="{3A7AFB8D-0C2D-4820-813A-B3FD0F974B3B}" dt="2023-12-19T19:14:15.189" v="265" actId="164"/>
+          <ac:spMkLst>
+            <pc:docMk/>
+            <pc:sldMk cId="2379081592" sldId="259"/>
+            <ac:spMk id="44" creationId="{602E4F18-CBBB-5B40-A745-503CDF451BCF}"/>
+          </ac:spMkLst>
+        </pc:spChg>
+        <pc:spChg chg="mod">
+          <ac:chgData name="Djavan De Clercq" userId="584e75b4acd72a0d" providerId="LiveId" clId="{3A7AFB8D-0C2D-4820-813A-B3FD0F974B3B}" dt="2023-12-19T19:14:35.824" v="278" actId="20577"/>
+          <ac:spMkLst>
+            <pc:docMk/>
+            <pc:sldMk cId="2379081592" sldId="259"/>
+            <ac:spMk id="47" creationId="{053CDB75-2743-DF8F-68AB-61F6EAA05BF6}"/>
+          </ac:spMkLst>
+        </pc:spChg>
+        <pc:spChg chg="mod">
+          <ac:chgData name="Djavan De Clercq" userId="584e75b4acd72a0d" providerId="LiveId" clId="{3A7AFB8D-0C2D-4820-813A-B3FD0F974B3B}" dt="2023-12-19T19:14:38.673" v="279" actId="20577"/>
+          <ac:spMkLst>
+            <pc:docMk/>
+            <pc:sldMk cId="2379081592" sldId="259"/>
+            <ac:spMk id="48" creationId="{9A2DFB03-B283-54EB-6FA0-6B87925EB0D4}"/>
+          </ac:spMkLst>
+        </pc:spChg>
+        <pc:spChg chg="mod">
+          <ac:chgData name="Djavan De Clercq" userId="584e75b4acd72a0d" providerId="LiveId" clId="{3A7AFB8D-0C2D-4820-813A-B3FD0F974B3B}" dt="2023-12-19T19:14:41.046" v="280" actId="20577"/>
+          <ac:spMkLst>
+            <pc:docMk/>
+            <pc:sldMk cId="2379081592" sldId="259"/>
+            <ac:spMk id="49" creationId="{2D1359C2-2ED3-0FAF-59B5-423CE6103D34}"/>
+          </ac:spMkLst>
+        </pc:spChg>
+        <pc:grpChg chg="add mod">
+          <ac:chgData name="Djavan De Clercq" userId="584e75b4acd72a0d" providerId="LiveId" clId="{3A7AFB8D-0C2D-4820-813A-B3FD0F974B3B}" dt="2023-12-19T19:14:44.720" v="281" actId="164"/>
+          <ac:grpSpMkLst>
+            <pc:docMk/>
+            <pc:sldMk cId="2379081592" sldId="259"/>
+            <ac:grpSpMk id="45" creationId="{5D4209B5-64B9-7FA4-6AB0-EF61E2F00BFF}"/>
+          </ac:grpSpMkLst>
+        </pc:grpChg>
+        <pc:grpChg chg="add mod">
+          <ac:chgData name="Djavan De Clercq" userId="584e75b4acd72a0d" providerId="LiveId" clId="{3A7AFB8D-0C2D-4820-813A-B3FD0F974B3B}" dt="2023-12-19T19:14:44.720" v="281" actId="164"/>
+          <ac:grpSpMkLst>
+            <pc:docMk/>
+            <pc:sldMk cId="2379081592" sldId="259"/>
+            <ac:grpSpMk id="46" creationId="{D301715C-A639-D9F6-5032-54D04FF2B8E1}"/>
+          </ac:grpSpMkLst>
+        </pc:grpChg>
+        <pc:grpChg chg="add mod">
+          <ac:chgData name="Djavan De Clercq" userId="584e75b4acd72a0d" providerId="LiveId" clId="{3A7AFB8D-0C2D-4820-813A-B3FD0F974B3B}" dt="2023-12-19T19:14:44.720" v="281" actId="164"/>
+          <ac:grpSpMkLst>
+            <pc:docMk/>
+            <pc:sldMk cId="2379081592" sldId="259"/>
+            <ac:grpSpMk id="50" creationId="{4AF17F44-1F72-3B7D-DC0A-65CB7393A13D}"/>
+          </ac:grpSpMkLst>
+        </pc:grpChg>
+        <pc:picChg chg="add mod">
+          <ac:chgData name="Djavan De Clercq" userId="584e75b4acd72a0d" providerId="LiveId" clId="{3A7AFB8D-0C2D-4820-813A-B3FD0F974B3B}" dt="2023-12-19T19:14:44.720" v="281" actId="164"/>
+          <ac:picMkLst>
+            <pc:docMk/>
+            <pc:sldMk cId="2379081592" sldId="259"/>
+            <ac:picMk id="5" creationId="{CB4BE411-FCDB-5FCE-7529-EC57F523675A}"/>
+          </ac:picMkLst>
+        </pc:picChg>
+        <pc:picChg chg="add del mod">
+          <ac:chgData name="Djavan De Clercq" userId="584e75b4acd72a0d" providerId="LiveId" clId="{3A7AFB8D-0C2D-4820-813A-B3FD0F974B3B}" dt="2023-12-19T18:22:37.344" v="134" actId="478"/>
+          <ac:picMkLst>
+            <pc:docMk/>
+            <pc:sldMk cId="2379081592" sldId="259"/>
+            <ac:picMk id="7" creationId="{C99EDF7A-17B0-B8D7-D130-EF1D43798B66}"/>
+          </ac:picMkLst>
+        </pc:picChg>
+        <pc:picChg chg="add mod">
+          <ac:chgData name="Djavan De Clercq" userId="584e75b4acd72a0d" providerId="LiveId" clId="{3A7AFB8D-0C2D-4820-813A-B3FD0F974B3B}" dt="2023-12-19T19:14:44.720" v="281" actId="164"/>
+          <ac:picMkLst>
+            <pc:docMk/>
+            <pc:sldMk cId="2379081592" sldId="259"/>
+            <ac:picMk id="9" creationId="{AB602C92-76AA-A869-602D-5A917A7B1270}"/>
+          </ac:picMkLst>
+        </pc:picChg>
+        <pc:picChg chg="add mod">
+          <ac:chgData name="Djavan De Clercq" userId="584e75b4acd72a0d" providerId="LiveId" clId="{3A7AFB8D-0C2D-4820-813A-B3FD0F974B3B}" dt="2023-12-19T19:14:44.720" v="281" actId="164"/>
+          <ac:picMkLst>
+            <pc:docMk/>
+            <pc:sldMk cId="2379081592" sldId="259"/>
+            <ac:picMk id="11" creationId="{851BA488-3EEE-E683-2290-A7CFDD1FA456}"/>
+          </ac:picMkLst>
+        </pc:picChg>
+        <pc:picChg chg="add mod">
+          <ac:chgData name="Djavan De Clercq" userId="584e75b4acd72a0d" providerId="LiveId" clId="{3A7AFB8D-0C2D-4820-813A-B3FD0F974B3B}" dt="2023-12-19T19:14:44.720" v="281" actId="164"/>
+          <ac:picMkLst>
+            <pc:docMk/>
+            <pc:sldMk cId="2379081592" sldId="259"/>
+            <ac:picMk id="13" creationId="{2AFBA03D-3C25-19BF-A3C5-73AF8ED180C0}"/>
+          </ac:picMkLst>
+        </pc:picChg>
+        <pc:picChg chg="add mod">
+          <ac:chgData name="Djavan De Clercq" userId="584e75b4acd72a0d" providerId="LiveId" clId="{3A7AFB8D-0C2D-4820-813A-B3FD0F974B3B}" dt="2023-12-19T19:14:44.720" v="281" actId="164"/>
+          <ac:picMkLst>
+            <pc:docMk/>
+            <pc:sldMk cId="2379081592" sldId="259"/>
+            <ac:picMk id="15" creationId="{C5CAADE2-632A-69F6-AAA0-BA8E112A382A}"/>
+          </ac:picMkLst>
+        </pc:picChg>
+        <pc:picChg chg="add mod">
+          <ac:chgData name="Djavan De Clercq" userId="584e75b4acd72a0d" providerId="LiveId" clId="{3A7AFB8D-0C2D-4820-813A-B3FD0F974B3B}" dt="2023-12-19T19:14:44.720" v="281" actId="164"/>
+          <ac:picMkLst>
+            <pc:docMk/>
+            <pc:sldMk cId="2379081592" sldId="259"/>
+            <ac:picMk id="17" creationId="{D7130BB5-210F-C040-C2AD-A0C243F00D3F}"/>
+          </ac:picMkLst>
+        </pc:picChg>
+        <pc:picChg chg="add mod">
+          <ac:chgData name="Djavan De Clercq" userId="584e75b4acd72a0d" providerId="LiveId" clId="{3A7AFB8D-0C2D-4820-813A-B3FD0F974B3B}" dt="2023-12-19T19:14:44.720" v="281" actId="164"/>
+          <ac:picMkLst>
+            <pc:docMk/>
+            <pc:sldMk cId="2379081592" sldId="259"/>
+            <ac:picMk id="19" creationId="{D44E396B-7DEE-B895-C52F-C2539EBA218D}"/>
+          </ac:picMkLst>
+        </pc:picChg>
+        <pc:picChg chg="add del mod">
+          <ac:chgData name="Djavan De Clercq" userId="584e75b4acd72a0d" providerId="LiveId" clId="{3A7AFB8D-0C2D-4820-813A-B3FD0F974B3B}" dt="2023-12-19T18:30:16.747" v="169" actId="478"/>
+          <ac:picMkLst>
+            <pc:docMk/>
+            <pc:sldMk cId="2379081592" sldId="259"/>
+            <ac:picMk id="21" creationId="{C8CE9BFA-4B86-7D70-9BE7-FBA227E99BE7}"/>
+          </ac:picMkLst>
+        </pc:picChg>
+        <pc:picChg chg="add mod">
+          <ac:chgData name="Djavan De Clercq" userId="584e75b4acd72a0d" providerId="LiveId" clId="{3A7AFB8D-0C2D-4820-813A-B3FD0F974B3B}" dt="2023-12-19T19:14:44.720" v="281" actId="164"/>
+          <ac:picMkLst>
+            <pc:docMk/>
+            <pc:sldMk cId="2379081592" sldId="259"/>
+            <ac:picMk id="23" creationId="{35E2DAC3-7E8E-BFBB-9FC6-9B5218C32779}"/>
+          </ac:picMkLst>
+        </pc:picChg>
+        <pc:picChg chg="add del mod">
+          <ac:chgData name="Djavan De Clercq" userId="584e75b4acd72a0d" providerId="LiveId" clId="{3A7AFB8D-0C2D-4820-813A-B3FD0F974B3B}" dt="2023-12-19T19:04:53.117" v="182" actId="478"/>
+          <ac:picMkLst>
+            <pc:docMk/>
+            <pc:sldMk cId="2379081592" sldId="259"/>
+            <ac:picMk id="25" creationId="{3B943F93-A6E3-3AB2-73A7-4BF24B12F621}"/>
+          </ac:picMkLst>
+        </pc:picChg>
+        <pc:picChg chg="add del mod">
+          <ac:chgData name="Djavan De Clercq" userId="584e75b4acd72a0d" providerId="LiveId" clId="{3A7AFB8D-0C2D-4820-813A-B3FD0F974B3B}" dt="2023-12-19T19:08:13.441" v="188" actId="478"/>
+          <ac:picMkLst>
+            <pc:docMk/>
+            <pc:sldMk cId="2379081592" sldId="259"/>
+            <ac:picMk id="27" creationId="{0B42C651-DDE8-D15B-66C7-9543AA73F66E}"/>
+          </ac:picMkLst>
+        </pc:picChg>
+        <pc:picChg chg="add del mod">
+          <ac:chgData name="Djavan De Clercq" userId="584e75b4acd72a0d" providerId="LiveId" clId="{3A7AFB8D-0C2D-4820-813A-B3FD0F974B3B}" dt="2023-12-19T19:09:02.764" v="197" actId="478"/>
+          <ac:picMkLst>
+            <pc:docMk/>
+            <pc:sldMk cId="2379081592" sldId="259"/>
+            <ac:picMk id="29" creationId="{58B11861-BEAB-6EB0-29BE-F0D757540DAE}"/>
+          </ac:picMkLst>
+        </pc:picChg>
+        <pc:picChg chg="add del mod">
+          <ac:chgData name="Djavan De Clercq" userId="584e75b4acd72a0d" providerId="LiveId" clId="{3A7AFB8D-0C2D-4820-813A-B3FD0F974B3B}" dt="2023-12-19T19:09:33.936" v="204" actId="478"/>
+          <ac:picMkLst>
+            <pc:docMk/>
+            <pc:sldMk cId="2379081592" sldId="259"/>
+            <ac:picMk id="31" creationId="{84D202B5-5954-B8BB-6A1A-23BA1F0BDEFD}"/>
+          </ac:picMkLst>
+        </pc:picChg>
+        <pc:picChg chg="add del mod">
+          <ac:chgData name="Djavan De Clercq" userId="584e75b4acd72a0d" providerId="LiveId" clId="{3A7AFB8D-0C2D-4820-813A-B3FD0F974B3B}" dt="2023-12-19T19:10:17.678" v="215" actId="478"/>
+          <ac:picMkLst>
+            <pc:docMk/>
+            <pc:sldMk cId="2379081592" sldId="259"/>
+            <ac:picMk id="33" creationId="{2B44FB51-B375-DF5D-A2E9-2403D203EC46}"/>
+          </ac:picMkLst>
+        </pc:picChg>
+        <pc:picChg chg="add del mod">
+          <ac:chgData name="Djavan De Clercq" userId="584e75b4acd72a0d" providerId="LiveId" clId="{3A7AFB8D-0C2D-4820-813A-B3FD0F974B3B}" dt="2023-12-19T19:10:16.216" v="214" actId="478"/>
+          <ac:picMkLst>
+            <pc:docMk/>
+            <pc:sldMk cId="2379081592" sldId="259"/>
+            <ac:picMk id="35" creationId="{18D6B0C1-AD8F-B245-6FCD-262F9E06CF14}"/>
+          </ac:picMkLst>
+        </pc:picChg>
+        <pc:picChg chg="add mod modCrop">
+          <ac:chgData name="Djavan De Clercq" userId="584e75b4acd72a0d" providerId="LiveId" clId="{3A7AFB8D-0C2D-4820-813A-B3FD0F974B3B}" dt="2023-12-19T19:14:44.720" v="281" actId="164"/>
+          <ac:picMkLst>
+            <pc:docMk/>
+            <pc:sldMk cId="2379081592" sldId="259"/>
+            <ac:picMk id="37" creationId="{F9070700-47F0-9CF3-5F2E-8E6DAA507E12}"/>
           </ac:picMkLst>
         </pc:picChg>
       </pc:sldChg>
@@ -327,7 +1282,7 @@
           <a:p>
             <a:fld id="{FB686CD2-790D-4623-A4C3-BF131C38826C}" type="datetimeFigureOut">
               <a:rPr lang="en-BE" smtClean="0"/>
-              <a:t>13/12/2023</a:t>
+              <a:t>22/12/2023</a:t>
             </a:fld>
             <a:endParaRPr lang="en-BE"/>
           </a:p>
@@ -527,7 +1482,7 @@
           <a:p>
             <a:fld id="{FB686CD2-790D-4623-A4C3-BF131C38826C}" type="datetimeFigureOut">
               <a:rPr lang="en-BE" smtClean="0"/>
-              <a:t>13/12/2023</a:t>
+              <a:t>22/12/2023</a:t>
             </a:fld>
             <a:endParaRPr lang="en-BE"/>
           </a:p>
@@ -737,7 +1692,7 @@
           <a:p>
             <a:fld id="{FB686CD2-790D-4623-A4C3-BF131C38826C}" type="datetimeFigureOut">
               <a:rPr lang="en-BE" smtClean="0"/>
-              <a:t>13/12/2023</a:t>
+              <a:t>22/12/2023</a:t>
             </a:fld>
             <a:endParaRPr lang="en-BE"/>
           </a:p>
@@ -937,7 +1892,7 @@
           <a:p>
             <a:fld id="{FB686CD2-790D-4623-A4C3-BF131C38826C}" type="datetimeFigureOut">
               <a:rPr lang="en-BE" smtClean="0"/>
-              <a:t>13/12/2023</a:t>
+              <a:t>22/12/2023</a:t>
             </a:fld>
             <a:endParaRPr lang="en-BE"/>
           </a:p>
@@ -1213,7 +2168,7 @@
           <a:p>
             <a:fld id="{FB686CD2-790D-4623-A4C3-BF131C38826C}" type="datetimeFigureOut">
               <a:rPr lang="en-BE" smtClean="0"/>
-              <a:t>13/12/2023</a:t>
+              <a:t>22/12/2023</a:t>
             </a:fld>
             <a:endParaRPr lang="en-BE"/>
           </a:p>
@@ -1481,7 +2436,7 @@
           <a:p>
             <a:fld id="{FB686CD2-790D-4623-A4C3-BF131C38826C}" type="datetimeFigureOut">
               <a:rPr lang="en-BE" smtClean="0"/>
-              <a:t>13/12/2023</a:t>
+              <a:t>22/12/2023</a:t>
             </a:fld>
             <a:endParaRPr lang="en-BE"/>
           </a:p>
@@ -1896,7 +2851,7 @@
           <a:p>
             <a:fld id="{FB686CD2-790D-4623-A4C3-BF131C38826C}" type="datetimeFigureOut">
               <a:rPr lang="en-BE" smtClean="0"/>
-              <a:t>13/12/2023</a:t>
+              <a:t>22/12/2023</a:t>
             </a:fld>
             <a:endParaRPr lang="en-BE"/>
           </a:p>
@@ -2038,7 +2993,7 @@
           <a:p>
             <a:fld id="{FB686CD2-790D-4623-A4C3-BF131C38826C}" type="datetimeFigureOut">
               <a:rPr lang="en-BE" smtClean="0"/>
-              <a:t>13/12/2023</a:t>
+              <a:t>22/12/2023</a:t>
             </a:fld>
             <a:endParaRPr lang="en-BE"/>
           </a:p>
@@ -2151,7 +3106,7 @@
           <a:p>
             <a:fld id="{FB686CD2-790D-4623-A4C3-BF131C38826C}" type="datetimeFigureOut">
               <a:rPr lang="en-BE" smtClean="0"/>
-              <a:t>13/12/2023</a:t>
+              <a:t>22/12/2023</a:t>
             </a:fld>
             <a:endParaRPr lang="en-BE"/>
           </a:p>
@@ -2464,7 +3419,7 @@
           <a:p>
             <a:fld id="{FB686CD2-790D-4623-A4C3-BF131C38826C}" type="datetimeFigureOut">
               <a:rPr lang="en-BE" smtClean="0"/>
-              <a:t>13/12/2023</a:t>
+              <a:t>22/12/2023</a:t>
             </a:fld>
             <a:endParaRPr lang="en-BE"/>
           </a:p>
@@ -2753,7 +3708,7 @@
           <a:p>
             <a:fld id="{FB686CD2-790D-4623-A4C3-BF131C38826C}" type="datetimeFigureOut">
               <a:rPr lang="en-BE" smtClean="0"/>
-              <a:t>13/12/2023</a:t>
+              <a:t>22/12/2023</a:t>
             </a:fld>
             <a:endParaRPr lang="en-BE"/>
           </a:p>
@@ -2996,7 +3951,7 @@
           <a:p>
             <a:fld id="{FB686CD2-790D-4623-A4C3-BF131C38826C}" type="datetimeFigureOut">
               <a:rPr lang="en-BE" smtClean="0"/>
-              <a:t>13/12/2023</a:t>
+              <a:t>22/12/2023</a:t>
             </a:fld>
             <a:endParaRPr lang="en-BE"/>
           </a:p>
@@ -3415,10 +4370,10 @@
       </p:grpSpPr>
       <p:grpSp>
         <p:nvGrpSpPr>
-          <p:cNvPr id="34" name="Group 33">
+          <p:cNvPr id="50" name="Group 49">
             <a:extLst>
               <a:ext uri="{FF2B5EF4-FFF2-40B4-BE49-F238E27FC236}">
-                <a16:creationId xmlns:a16="http://schemas.microsoft.com/office/drawing/2014/main" id="{4C18C987-759A-DE5C-AEDE-6EC583336E9E}"/>
+                <a16:creationId xmlns:a16="http://schemas.microsoft.com/office/drawing/2014/main" id="{4AF17F44-1F72-3B7D-DC0A-65CB7393A13D}"/>
               </a:ext>
             </a:extLst>
           </p:cNvPr>
@@ -3427,18 +4382,18 @@
         </p:nvGrpSpPr>
         <p:grpSpPr>
           <a:xfrm>
-            <a:off x="263364" y="158256"/>
-            <a:ext cx="4852865" cy="5460920"/>
-            <a:chOff x="263364" y="158256"/>
-            <a:chExt cx="4852865" cy="5460920"/>
+            <a:off x="126773" y="114300"/>
+            <a:ext cx="4945949" cy="3849535"/>
+            <a:chOff x="126773" y="114300"/>
+            <a:chExt cx="4945949" cy="3849535"/>
           </a:xfrm>
         </p:grpSpPr>
         <p:pic>
           <p:nvPicPr>
-            <p:cNvPr id="31" name="Picture 30">
+            <p:cNvPr id="5" name="Picture 4">
               <a:extLst>
                 <a:ext uri="{FF2B5EF4-FFF2-40B4-BE49-F238E27FC236}">
-                  <a16:creationId xmlns:a16="http://schemas.microsoft.com/office/drawing/2014/main" id="{11A738A1-E7E9-9FA6-E7CD-C69B3BE92979}"/>
+                  <a16:creationId xmlns:a16="http://schemas.microsoft.com/office/drawing/2014/main" id="{CB4BE411-FCDB-5FCE-7529-EC57F523675A}"/>
                 </a:ext>
               </a:extLst>
             </p:cNvPr>
@@ -3455,8 +4410,8 @@
           </p:blipFill>
           <p:spPr>
             <a:xfrm>
-              <a:off x="263364" y="158256"/>
-              <a:ext cx="4852865" cy="2686838"/>
+              <a:off x="126774" y="114300"/>
+              <a:ext cx="1573440" cy="1223786"/>
             </a:xfrm>
             <a:prstGeom prst="rect">
               <a:avLst/>
@@ -3472,10 +4427,10 @@
         </p:pic>
         <p:pic>
           <p:nvPicPr>
-            <p:cNvPr id="33" name="Picture 32">
+            <p:cNvPr id="9" name="Picture 8">
               <a:extLst>
                 <a:ext uri="{FF2B5EF4-FFF2-40B4-BE49-F238E27FC236}">
-                  <a16:creationId xmlns:a16="http://schemas.microsoft.com/office/drawing/2014/main" id="{F60263FC-C166-0838-241E-CC828CEA3DF8}"/>
+                  <a16:creationId xmlns:a16="http://schemas.microsoft.com/office/drawing/2014/main" id="{AB602C92-76AA-A869-602D-5A917A7B1270}"/>
                 </a:ext>
               </a:extLst>
             </p:cNvPr>
@@ -3492,8 +4447,8 @@
           </p:blipFill>
           <p:spPr>
             <a:xfrm>
-              <a:off x="263364" y="2935706"/>
-              <a:ext cx="4852865" cy="2683470"/>
+              <a:off x="1831748" y="114301"/>
+              <a:ext cx="1526354" cy="1223785"/>
             </a:xfrm>
             <a:prstGeom prst="rect">
               <a:avLst/>
@@ -3507,11 +4462,635 @@
             </a:ln>
           </p:spPr>
         </p:pic>
+        <p:pic>
+          <p:nvPicPr>
+            <p:cNvPr id="11" name="Picture 10">
+              <a:extLst>
+                <a:ext uri="{FF2B5EF4-FFF2-40B4-BE49-F238E27FC236}">
+                  <a16:creationId xmlns:a16="http://schemas.microsoft.com/office/drawing/2014/main" id="{851BA488-3EEE-E683-2290-A7CFDD1FA456}"/>
+                </a:ext>
+              </a:extLst>
+            </p:cNvPr>
+            <p:cNvPicPr>
+              <a:picLocks noChangeAspect="1"/>
+            </p:cNvPicPr>
+            <p:nvPr/>
+          </p:nvPicPr>
+          <p:blipFill>
+            <a:blip r:embed="rId4"/>
+            <a:stretch>
+              <a:fillRect/>
+            </a:stretch>
+          </p:blipFill>
+          <p:spPr>
+            <a:xfrm>
+              <a:off x="3489636" y="114300"/>
+              <a:ext cx="1580385" cy="1223785"/>
+            </a:xfrm>
+            <a:prstGeom prst="rect">
+              <a:avLst/>
+            </a:prstGeom>
+            <a:ln>
+              <a:solidFill>
+                <a:schemeClr val="bg1">
+                  <a:lumMod val="95000"/>
+                </a:schemeClr>
+              </a:solidFill>
+            </a:ln>
+          </p:spPr>
+        </p:pic>
+        <p:pic>
+          <p:nvPicPr>
+            <p:cNvPr id="13" name="Picture 12">
+              <a:extLst>
+                <a:ext uri="{FF2B5EF4-FFF2-40B4-BE49-F238E27FC236}">
+                  <a16:creationId xmlns:a16="http://schemas.microsoft.com/office/drawing/2014/main" id="{2AFBA03D-3C25-19BF-A3C5-73AF8ED180C0}"/>
+                </a:ext>
+              </a:extLst>
+            </p:cNvPr>
+            <p:cNvPicPr>
+              <a:picLocks noChangeAspect="1"/>
+            </p:cNvPicPr>
+            <p:nvPr/>
+          </p:nvPicPr>
+          <p:blipFill>
+            <a:blip r:embed="rId5"/>
+            <a:stretch>
+              <a:fillRect/>
+            </a:stretch>
+          </p:blipFill>
+          <p:spPr>
+            <a:xfrm>
+              <a:off x="126773" y="2722079"/>
+              <a:ext cx="1573439" cy="1241756"/>
+            </a:xfrm>
+            <a:prstGeom prst="rect">
+              <a:avLst/>
+            </a:prstGeom>
+            <a:ln>
+              <a:solidFill>
+                <a:schemeClr val="bg1">
+                  <a:lumMod val="95000"/>
+                </a:schemeClr>
+              </a:solidFill>
+            </a:ln>
+          </p:spPr>
+        </p:pic>
+        <p:pic>
+          <p:nvPicPr>
+            <p:cNvPr id="15" name="Picture 14">
+              <a:extLst>
+                <a:ext uri="{FF2B5EF4-FFF2-40B4-BE49-F238E27FC236}">
+                  <a16:creationId xmlns:a16="http://schemas.microsoft.com/office/drawing/2014/main" id="{C5CAADE2-632A-69F6-AAA0-BA8E112A382A}"/>
+                </a:ext>
+              </a:extLst>
+            </p:cNvPr>
+            <p:cNvPicPr>
+              <a:picLocks noChangeAspect="1"/>
+            </p:cNvPicPr>
+            <p:nvPr/>
+          </p:nvPicPr>
+          <p:blipFill>
+            <a:blip r:embed="rId6"/>
+            <a:stretch>
+              <a:fillRect/>
+            </a:stretch>
+          </p:blipFill>
+          <p:spPr>
+            <a:xfrm>
+              <a:off x="126774" y="1423987"/>
+              <a:ext cx="1573440" cy="1212191"/>
+            </a:xfrm>
+            <a:prstGeom prst="rect">
+              <a:avLst/>
+            </a:prstGeom>
+            <a:ln>
+              <a:solidFill>
+                <a:schemeClr val="bg1">
+                  <a:lumMod val="95000"/>
+                </a:schemeClr>
+              </a:solidFill>
+            </a:ln>
+          </p:spPr>
+        </p:pic>
+        <p:pic>
+          <p:nvPicPr>
+            <p:cNvPr id="17" name="Picture 16">
+              <a:extLst>
+                <a:ext uri="{FF2B5EF4-FFF2-40B4-BE49-F238E27FC236}">
+                  <a16:creationId xmlns:a16="http://schemas.microsoft.com/office/drawing/2014/main" id="{D7130BB5-210F-C040-C2AD-A0C243F00D3F}"/>
+                </a:ext>
+              </a:extLst>
+            </p:cNvPr>
+            <p:cNvPicPr>
+              <a:picLocks noChangeAspect="1"/>
+            </p:cNvPicPr>
+            <p:nvPr/>
+          </p:nvPicPr>
+          <p:blipFill>
+            <a:blip r:embed="rId7"/>
+            <a:stretch>
+              <a:fillRect/>
+            </a:stretch>
+          </p:blipFill>
+          <p:spPr>
+            <a:xfrm>
+              <a:off x="1831748" y="1423987"/>
+              <a:ext cx="1526354" cy="1212191"/>
+            </a:xfrm>
+            <a:prstGeom prst="rect">
+              <a:avLst/>
+            </a:prstGeom>
+            <a:ln>
+              <a:solidFill>
+                <a:schemeClr val="bg1">
+                  <a:lumMod val="95000"/>
+                </a:schemeClr>
+              </a:solidFill>
+            </a:ln>
+          </p:spPr>
+        </p:pic>
+        <p:pic>
+          <p:nvPicPr>
+            <p:cNvPr id="19" name="Picture 18">
+              <a:extLst>
+                <a:ext uri="{FF2B5EF4-FFF2-40B4-BE49-F238E27FC236}">
+                  <a16:creationId xmlns:a16="http://schemas.microsoft.com/office/drawing/2014/main" id="{D44E396B-7DEE-B895-C52F-C2539EBA218D}"/>
+                </a:ext>
+              </a:extLst>
+            </p:cNvPr>
+            <p:cNvPicPr>
+              <a:picLocks noChangeAspect="1"/>
+            </p:cNvPicPr>
+            <p:nvPr/>
+          </p:nvPicPr>
+          <p:blipFill>
+            <a:blip r:embed="rId8"/>
+            <a:stretch>
+              <a:fillRect/>
+            </a:stretch>
+          </p:blipFill>
+          <p:spPr>
+            <a:xfrm>
+              <a:off x="3489636" y="1418189"/>
+              <a:ext cx="1583086" cy="1223785"/>
+            </a:xfrm>
+            <a:prstGeom prst="rect">
+              <a:avLst/>
+            </a:prstGeom>
+            <a:ln>
+              <a:solidFill>
+                <a:schemeClr val="bg1">
+                  <a:lumMod val="95000"/>
+                </a:schemeClr>
+              </a:solidFill>
+            </a:ln>
+          </p:spPr>
+        </p:pic>
+        <p:pic>
+          <p:nvPicPr>
+            <p:cNvPr id="23" name="Picture 22">
+              <a:extLst>
+                <a:ext uri="{FF2B5EF4-FFF2-40B4-BE49-F238E27FC236}">
+                  <a16:creationId xmlns:a16="http://schemas.microsoft.com/office/drawing/2014/main" id="{35E2DAC3-7E8E-BFBB-9FC6-9B5218C32779}"/>
+                </a:ext>
+              </a:extLst>
+            </p:cNvPr>
+            <p:cNvPicPr>
+              <a:picLocks noChangeAspect="1"/>
+            </p:cNvPicPr>
+            <p:nvPr/>
+          </p:nvPicPr>
+          <p:blipFill>
+            <a:blip r:embed="rId9"/>
+            <a:stretch>
+              <a:fillRect/>
+            </a:stretch>
+          </p:blipFill>
+          <p:spPr>
+            <a:xfrm>
+              <a:off x="1831749" y="2722079"/>
+              <a:ext cx="1526353" cy="1241756"/>
+            </a:xfrm>
+            <a:prstGeom prst="rect">
+              <a:avLst/>
+            </a:prstGeom>
+            <a:ln>
+              <a:solidFill>
+                <a:schemeClr val="bg1">
+                  <a:lumMod val="95000"/>
+                </a:schemeClr>
+              </a:solidFill>
+            </a:ln>
+          </p:spPr>
+        </p:pic>
+        <p:pic>
+          <p:nvPicPr>
+            <p:cNvPr id="37" name="Picture 36">
+              <a:extLst>
+                <a:ext uri="{FF2B5EF4-FFF2-40B4-BE49-F238E27FC236}">
+                  <a16:creationId xmlns:a16="http://schemas.microsoft.com/office/drawing/2014/main" id="{F9070700-47F0-9CF3-5F2E-8E6DAA507E12}"/>
+                </a:ext>
+              </a:extLst>
+            </p:cNvPr>
+            <p:cNvPicPr>
+              <a:picLocks noChangeAspect="1"/>
+            </p:cNvPicPr>
+            <p:nvPr/>
+          </p:nvPicPr>
+          <p:blipFill rotWithShape="1">
+            <a:blip r:embed="rId10"/>
+            <a:srcRect l="-4772" r="-9353"/>
+            <a:stretch/>
+          </p:blipFill>
+          <p:spPr>
+            <a:xfrm>
+              <a:off x="3486935" y="2722079"/>
+              <a:ext cx="1583086" cy="1217584"/>
+            </a:xfrm>
+            <a:prstGeom prst="rect">
+              <a:avLst/>
+            </a:prstGeom>
+            <a:ln>
+              <a:solidFill>
+                <a:schemeClr val="bg1">
+                  <a:lumMod val="95000"/>
+                </a:schemeClr>
+              </a:solidFill>
+            </a:ln>
+          </p:spPr>
+        </p:pic>
+        <p:sp>
+          <p:nvSpPr>
+            <p:cNvPr id="39" name="TextBox 38">
+              <a:extLst>
+                <a:ext uri="{FF2B5EF4-FFF2-40B4-BE49-F238E27FC236}">
+                  <a16:creationId xmlns:a16="http://schemas.microsoft.com/office/drawing/2014/main" id="{E102C5F5-B098-573C-DC7B-D4A05BBCAE02}"/>
+                </a:ext>
+              </a:extLst>
+            </p:cNvPr>
+            <p:cNvSpPr txBox="1"/>
+            <p:nvPr/>
+          </p:nvSpPr>
+          <p:spPr>
+            <a:xfrm>
+              <a:off x="151539" y="1184197"/>
+              <a:ext cx="79443" cy="153888"/>
+            </a:xfrm>
+            <a:prstGeom prst="rect">
+              <a:avLst/>
+            </a:prstGeom>
+            <a:noFill/>
+          </p:spPr>
+          <p:txBody>
+            <a:bodyPr wrap="none" lIns="0" tIns="0" rIns="0" bIns="0" rtlCol="0" anchor="ctr" anchorCtr="0">
+              <a:noAutofit/>
+            </a:bodyPr>
+            <a:lstStyle/>
+            <a:p>
+              <a:r>
+                <a:rPr lang="en-US" sz="1000" b="1" dirty="0"/>
+                <a:t>a</a:t>
+              </a:r>
+              <a:endParaRPr lang="en-BE" sz="1000" b="1" dirty="0"/>
+            </a:p>
+          </p:txBody>
+        </p:sp>
+        <p:sp>
+          <p:nvSpPr>
+            <p:cNvPr id="40" name="TextBox 39">
+              <a:extLst>
+                <a:ext uri="{FF2B5EF4-FFF2-40B4-BE49-F238E27FC236}">
+                  <a16:creationId xmlns:a16="http://schemas.microsoft.com/office/drawing/2014/main" id="{9AD5592B-085F-7785-79BC-05EC9908FF42}"/>
+                </a:ext>
+              </a:extLst>
+            </p:cNvPr>
+            <p:cNvSpPr txBox="1"/>
+            <p:nvPr/>
+          </p:nvSpPr>
+          <p:spPr>
+            <a:xfrm>
+              <a:off x="1851751" y="1184197"/>
+              <a:ext cx="79443" cy="153888"/>
+            </a:xfrm>
+            <a:prstGeom prst="rect">
+              <a:avLst/>
+            </a:prstGeom>
+            <a:noFill/>
+          </p:spPr>
+          <p:txBody>
+            <a:bodyPr wrap="none" lIns="0" tIns="0" rIns="0" bIns="0" rtlCol="0" anchor="ctr" anchorCtr="0">
+              <a:noAutofit/>
+            </a:bodyPr>
+            <a:lstStyle/>
+            <a:p>
+              <a:r>
+                <a:rPr lang="en-US" sz="1000" b="1" dirty="0"/>
+                <a:t>b</a:t>
+              </a:r>
+              <a:endParaRPr lang="en-BE" sz="1000" b="1" dirty="0"/>
+            </a:p>
+          </p:txBody>
+        </p:sp>
+        <p:sp>
+          <p:nvSpPr>
+            <p:cNvPr id="41" name="TextBox 40">
+              <a:extLst>
+                <a:ext uri="{FF2B5EF4-FFF2-40B4-BE49-F238E27FC236}">
+                  <a16:creationId xmlns:a16="http://schemas.microsoft.com/office/drawing/2014/main" id="{FD4FC3DA-C6CC-71BA-EEC3-7C94AC55937D}"/>
+                </a:ext>
+              </a:extLst>
+            </p:cNvPr>
+            <p:cNvSpPr txBox="1"/>
+            <p:nvPr/>
+          </p:nvSpPr>
+          <p:spPr>
+            <a:xfrm>
+              <a:off x="3497412" y="1184197"/>
+              <a:ext cx="79443" cy="153888"/>
+            </a:xfrm>
+            <a:prstGeom prst="rect">
+              <a:avLst/>
+            </a:prstGeom>
+            <a:noFill/>
+          </p:spPr>
+          <p:txBody>
+            <a:bodyPr wrap="none" lIns="0" tIns="0" rIns="0" bIns="0" rtlCol="0" anchor="ctr" anchorCtr="0">
+              <a:noAutofit/>
+            </a:bodyPr>
+            <a:lstStyle/>
+            <a:p>
+              <a:r>
+                <a:rPr lang="en-US" sz="1000" b="1" dirty="0"/>
+                <a:t>c</a:t>
+              </a:r>
+              <a:endParaRPr lang="en-BE" sz="1000" b="1" dirty="0"/>
+            </a:p>
+          </p:txBody>
+        </p:sp>
+        <p:grpSp>
+          <p:nvGrpSpPr>
+            <p:cNvPr id="45" name="Group 44">
+              <a:extLst>
+                <a:ext uri="{FF2B5EF4-FFF2-40B4-BE49-F238E27FC236}">
+                  <a16:creationId xmlns:a16="http://schemas.microsoft.com/office/drawing/2014/main" id="{5D4209B5-64B9-7FA4-6AB0-EF61E2F00BFF}"/>
+                </a:ext>
+              </a:extLst>
+            </p:cNvPr>
+            <p:cNvGrpSpPr/>
+            <p:nvPr/>
+          </p:nvGrpSpPr>
+          <p:grpSpPr>
+            <a:xfrm>
+              <a:off x="151539" y="2479493"/>
+              <a:ext cx="3425316" cy="153888"/>
+              <a:chOff x="151539" y="2454093"/>
+              <a:chExt cx="3425316" cy="153888"/>
+            </a:xfrm>
+          </p:grpSpPr>
+          <p:sp>
+            <p:nvSpPr>
+              <p:cNvPr id="42" name="TextBox 41">
+                <a:extLst>
+                  <a:ext uri="{FF2B5EF4-FFF2-40B4-BE49-F238E27FC236}">
+                    <a16:creationId xmlns:a16="http://schemas.microsoft.com/office/drawing/2014/main" id="{8E995B97-AC52-FD3B-9E1D-47A3476A01A4}"/>
+                  </a:ext>
+                </a:extLst>
+              </p:cNvPr>
+              <p:cNvSpPr txBox="1"/>
+              <p:nvPr/>
+            </p:nvSpPr>
+            <p:spPr>
+              <a:xfrm>
+                <a:off x="151539" y="2454093"/>
+                <a:ext cx="79443" cy="153888"/>
+              </a:xfrm>
+              <a:prstGeom prst="rect">
+                <a:avLst/>
+              </a:prstGeom>
+              <a:noFill/>
+            </p:spPr>
+            <p:txBody>
+              <a:bodyPr wrap="none" lIns="0" tIns="0" rIns="0" bIns="0" rtlCol="0" anchor="ctr" anchorCtr="0">
+                <a:noAutofit/>
+              </a:bodyPr>
+              <a:lstStyle/>
+              <a:p>
+                <a:r>
+                  <a:rPr lang="en-US" sz="1000" b="1" dirty="0"/>
+                  <a:t>c</a:t>
+                </a:r>
+                <a:endParaRPr lang="en-BE" sz="1000" b="1" dirty="0"/>
+              </a:p>
+            </p:txBody>
+          </p:sp>
+          <p:sp>
+            <p:nvSpPr>
+              <p:cNvPr id="43" name="TextBox 42">
+                <a:extLst>
+                  <a:ext uri="{FF2B5EF4-FFF2-40B4-BE49-F238E27FC236}">
+                    <a16:creationId xmlns:a16="http://schemas.microsoft.com/office/drawing/2014/main" id="{7C505F1B-7CCF-8961-1572-D4C980B6707D}"/>
+                  </a:ext>
+                </a:extLst>
+              </p:cNvPr>
+              <p:cNvSpPr txBox="1"/>
+              <p:nvPr/>
+            </p:nvSpPr>
+            <p:spPr>
+              <a:xfrm>
+                <a:off x="1851751" y="2454093"/>
+                <a:ext cx="79443" cy="153888"/>
+              </a:xfrm>
+              <a:prstGeom prst="rect">
+                <a:avLst/>
+              </a:prstGeom>
+              <a:noFill/>
+            </p:spPr>
+            <p:txBody>
+              <a:bodyPr wrap="none" lIns="0" tIns="0" rIns="0" bIns="0" rtlCol="0" anchor="ctr" anchorCtr="0">
+                <a:noAutofit/>
+              </a:bodyPr>
+              <a:lstStyle/>
+              <a:p>
+                <a:r>
+                  <a:rPr lang="en-US" sz="1000" b="1" dirty="0"/>
+                  <a:t>d</a:t>
+                </a:r>
+                <a:endParaRPr lang="en-BE" sz="1000" b="1" dirty="0"/>
+              </a:p>
+            </p:txBody>
+          </p:sp>
+          <p:sp>
+            <p:nvSpPr>
+              <p:cNvPr id="44" name="TextBox 43">
+                <a:extLst>
+                  <a:ext uri="{FF2B5EF4-FFF2-40B4-BE49-F238E27FC236}">
+                    <a16:creationId xmlns:a16="http://schemas.microsoft.com/office/drawing/2014/main" id="{602E4F18-CBBB-5B40-A745-503CDF451BCF}"/>
+                  </a:ext>
+                </a:extLst>
+              </p:cNvPr>
+              <p:cNvSpPr txBox="1"/>
+              <p:nvPr/>
+            </p:nvSpPr>
+            <p:spPr>
+              <a:xfrm>
+                <a:off x="3497412" y="2454093"/>
+                <a:ext cx="79443" cy="153888"/>
+              </a:xfrm>
+              <a:prstGeom prst="rect">
+                <a:avLst/>
+              </a:prstGeom>
+              <a:noFill/>
+            </p:spPr>
+            <p:txBody>
+              <a:bodyPr wrap="none" lIns="0" tIns="0" rIns="0" bIns="0" rtlCol="0" anchor="ctr" anchorCtr="0">
+                <a:noAutofit/>
+              </a:bodyPr>
+              <a:lstStyle/>
+              <a:p>
+                <a:r>
+                  <a:rPr lang="en-US" sz="1000" b="1" dirty="0"/>
+                  <a:t>e</a:t>
+                </a:r>
+                <a:endParaRPr lang="en-BE" sz="1000" b="1" dirty="0"/>
+              </a:p>
+            </p:txBody>
+          </p:sp>
+        </p:grpSp>
+        <p:grpSp>
+          <p:nvGrpSpPr>
+            <p:cNvPr id="46" name="Group 45">
+              <a:extLst>
+                <a:ext uri="{FF2B5EF4-FFF2-40B4-BE49-F238E27FC236}">
+                  <a16:creationId xmlns:a16="http://schemas.microsoft.com/office/drawing/2014/main" id="{D301715C-A639-D9F6-5032-54D04FF2B8E1}"/>
+                </a:ext>
+              </a:extLst>
+            </p:cNvPr>
+            <p:cNvGrpSpPr/>
+            <p:nvPr/>
+          </p:nvGrpSpPr>
+          <p:grpSpPr>
+            <a:xfrm>
+              <a:off x="151539" y="3801943"/>
+              <a:ext cx="3425316" cy="153888"/>
+              <a:chOff x="151539" y="2454093"/>
+              <a:chExt cx="3425316" cy="153888"/>
+            </a:xfrm>
+          </p:grpSpPr>
+          <p:sp>
+            <p:nvSpPr>
+              <p:cNvPr id="47" name="TextBox 46">
+                <a:extLst>
+                  <a:ext uri="{FF2B5EF4-FFF2-40B4-BE49-F238E27FC236}">
+                    <a16:creationId xmlns:a16="http://schemas.microsoft.com/office/drawing/2014/main" id="{053CDB75-2743-DF8F-68AB-61F6EAA05BF6}"/>
+                  </a:ext>
+                </a:extLst>
+              </p:cNvPr>
+              <p:cNvSpPr txBox="1"/>
+              <p:nvPr/>
+            </p:nvSpPr>
+            <p:spPr>
+              <a:xfrm>
+                <a:off x="151539" y="2454093"/>
+                <a:ext cx="79443" cy="153888"/>
+              </a:xfrm>
+              <a:prstGeom prst="rect">
+                <a:avLst/>
+              </a:prstGeom>
+              <a:noFill/>
+            </p:spPr>
+            <p:txBody>
+              <a:bodyPr wrap="none" lIns="0" tIns="0" rIns="0" bIns="0" rtlCol="0" anchor="ctr" anchorCtr="0">
+                <a:noAutofit/>
+              </a:bodyPr>
+              <a:lstStyle/>
+              <a:p>
+                <a:r>
+                  <a:rPr lang="en-US" sz="1000" b="1" dirty="0"/>
+                  <a:t>f</a:t>
+                </a:r>
+                <a:endParaRPr lang="en-BE" sz="1000" b="1" dirty="0"/>
+              </a:p>
+            </p:txBody>
+          </p:sp>
+          <p:sp>
+            <p:nvSpPr>
+              <p:cNvPr id="48" name="TextBox 47">
+                <a:extLst>
+                  <a:ext uri="{FF2B5EF4-FFF2-40B4-BE49-F238E27FC236}">
+                    <a16:creationId xmlns:a16="http://schemas.microsoft.com/office/drawing/2014/main" id="{9A2DFB03-B283-54EB-6FA0-6B87925EB0D4}"/>
+                  </a:ext>
+                </a:extLst>
+              </p:cNvPr>
+              <p:cNvSpPr txBox="1"/>
+              <p:nvPr/>
+            </p:nvSpPr>
+            <p:spPr>
+              <a:xfrm>
+                <a:off x="1851751" y="2454093"/>
+                <a:ext cx="79443" cy="153888"/>
+              </a:xfrm>
+              <a:prstGeom prst="rect">
+                <a:avLst/>
+              </a:prstGeom>
+              <a:noFill/>
+            </p:spPr>
+            <p:txBody>
+              <a:bodyPr wrap="none" lIns="0" tIns="0" rIns="0" bIns="0" rtlCol="0" anchor="ctr" anchorCtr="0">
+                <a:noAutofit/>
+              </a:bodyPr>
+              <a:lstStyle/>
+              <a:p>
+                <a:r>
+                  <a:rPr lang="en-US" sz="1000" b="1" dirty="0"/>
+                  <a:t>g</a:t>
+                </a:r>
+                <a:endParaRPr lang="en-BE" sz="1000" b="1" dirty="0"/>
+              </a:p>
+            </p:txBody>
+          </p:sp>
+          <p:sp>
+            <p:nvSpPr>
+              <p:cNvPr id="49" name="TextBox 48">
+                <a:extLst>
+                  <a:ext uri="{FF2B5EF4-FFF2-40B4-BE49-F238E27FC236}">
+                    <a16:creationId xmlns:a16="http://schemas.microsoft.com/office/drawing/2014/main" id="{2D1359C2-2ED3-0FAF-59B5-423CE6103D34}"/>
+                  </a:ext>
+                </a:extLst>
+              </p:cNvPr>
+              <p:cNvSpPr txBox="1"/>
+              <p:nvPr/>
+            </p:nvSpPr>
+            <p:spPr>
+              <a:xfrm>
+                <a:off x="3497412" y="2454093"/>
+                <a:ext cx="79443" cy="153888"/>
+              </a:xfrm>
+              <a:prstGeom prst="rect">
+                <a:avLst/>
+              </a:prstGeom>
+              <a:noFill/>
+            </p:spPr>
+            <p:txBody>
+              <a:bodyPr wrap="none" lIns="0" tIns="0" rIns="0" bIns="0" rtlCol="0" anchor="ctr" anchorCtr="0">
+                <a:noAutofit/>
+              </a:bodyPr>
+              <a:lstStyle/>
+              <a:p>
+                <a:r>
+                  <a:rPr lang="en-US" sz="1000" b="1" dirty="0"/>
+                  <a:t>h</a:t>
+                </a:r>
+                <a:endParaRPr lang="en-BE" sz="1000" b="1" dirty="0"/>
+              </a:p>
+            </p:txBody>
+          </p:sp>
+        </p:grpSp>
       </p:grpSp>
     </p:spTree>
     <p:extLst>
       <p:ext uri="{BB962C8B-B14F-4D97-AF65-F5344CB8AC3E}">
-        <p14:creationId xmlns:p14="http://schemas.microsoft.com/office/powerpoint/2010/main" val="3547312974"/>
+        <p14:creationId xmlns:p14="http://schemas.microsoft.com/office/powerpoint/2010/main" val="2379081592"/>
       </p:ext>
     </p:extLst>
   </p:cSld>
@@ -3540,10 +5119,10 @@
       </p:grpSpPr>
       <p:grpSp>
         <p:nvGrpSpPr>
-          <p:cNvPr id="29" name="Group 28">
+          <p:cNvPr id="24" name="Group 23">
             <a:extLst>
               <a:ext uri="{FF2B5EF4-FFF2-40B4-BE49-F238E27FC236}">
-                <a16:creationId xmlns:a16="http://schemas.microsoft.com/office/drawing/2014/main" id="{F4686D60-1AE7-331C-4983-0A15B8EBCEC0}"/>
+                <a16:creationId xmlns:a16="http://schemas.microsoft.com/office/drawing/2014/main" id="{8516D7F6-2C85-6B66-5633-83B7FAAD43D5}"/>
               </a:ext>
             </a:extLst>
           </p:cNvPr>
@@ -3552,18 +5131,18 @@
         </p:nvGrpSpPr>
         <p:grpSpPr>
           <a:xfrm>
-            <a:off x="576311" y="177116"/>
-            <a:ext cx="6483291" cy="5929497"/>
-            <a:chOff x="576311" y="177116"/>
-            <a:chExt cx="6483291" cy="5929497"/>
+            <a:off x="218844" y="158255"/>
+            <a:ext cx="4776312" cy="2658230"/>
+            <a:chOff x="218844" y="158255"/>
+            <a:chExt cx="4776312" cy="2658230"/>
           </a:xfrm>
         </p:grpSpPr>
         <p:pic>
           <p:nvPicPr>
-            <p:cNvPr id="7" name="Picture 6">
+            <p:cNvPr id="23" name="Picture 22">
               <a:extLst>
                 <a:ext uri="{FF2B5EF4-FFF2-40B4-BE49-F238E27FC236}">
-                  <a16:creationId xmlns:a16="http://schemas.microsoft.com/office/drawing/2014/main" id="{6B2D5CEA-8CBB-C354-A0F2-86AEF4446CDF}"/>
+                  <a16:creationId xmlns:a16="http://schemas.microsoft.com/office/drawing/2014/main" id="{1242924E-DDDF-5B2B-E1F0-11FEB9F84FDD}"/>
                 </a:ext>
               </a:extLst>
             </p:cNvPr>
@@ -3580,8 +5159,8 @@
           </p:blipFill>
           <p:spPr>
             <a:xfrm>
-              <a:off x="576312" y="177116"/>
-              <a:ext cx="1781877" cy="1858556"/>
+              <a:off x="2643152" y="1509572"/>
+              <a:ext cx="2349392" cy="1306913"/>
             </a:xfrm>
             <a:prstGeom prst="rect">
               <a:avLst/>
@@ -3595,86 +5174,189 @@
             </a:ln>
           </p:spPr>
         </p:pic>
-        <p:pic>
-          <p:nvPicPr>
-            <p:cNvPr id="9" name="Picture 8">
+        <p:grpSp>
+          <p:nvGrpSpPr>
+            <p:cNvPr id="34" name="Group 33">
               <a:extLst>
                 <a:ext uri="{FF2B5EF4-FFF2-40B4-BE49-F238E27FC236}">
-                  <a16:creationId xmlns:a16="http://schemas.microsoft.com/office/drawing/2014/main" id="{6D08B17C-8199-EE52-EC64-90A0AE61AC4E}"/>
+                  <a16:creationId xmlns:a16="http://schemas.microsoft.com/office/drawing/2014/main" id="{4C18C987-759A-DE5C-AEDE-6EC583336E9E}"/>
                 </a:ext>
               </a:extLst>
             </p:cNvPr>
-            <p:cNvPicPr>
-              <a:picLocks noChangeAspect="1"/>
-            </p:cNvPicPr>
+            <p:cNvGrpSpPr/>
             <p:nvPr/>
-          </p:nvPicPr>
-          <p:blipFill>
-            <a:blip r:embed="rId3"/>
-            <a:stretch>
-              <a:fillRect/>
-            </a:stretch>
-          </p:blipFill>
+          </p:nvGrpSpPr>
+          <p:grpSpPr>
+            <a:xfrm>
+              <a:off x="218845" y="158255"/>
+              <a:ext cx="2361072" cy="2656910"/>
+              <a:chOff x="263364" y="158256"/>
+              <a:chExt cx="4852865" cy="5460920"/>
+            </a:xfrm>
+          </p:grpSpPr>
+          <p:pic>
+            <p:nvPicPr>
+              <p:cNvPr id="31" name="Picture 30">
+                <a:extLst>
+                  <a:ext uri="{FF2B5EF4-FFF2-40B4-BE49-F238E27FC236}">
+                    <a16:creationId xmlns:a16="http://schemas.microsoft.com/office/drawing/2014/main" id="{11A738A1-E7E9-9FA6-E7CD-C69B3BE92979}"/>
+                  </a:ext>
+                </a:extLst>
+              </p:cNvPr>
+              <p:cNvPicPr>
+                <a:picLocks noChangeAspect="1"/>
+              </p:cNvPicPr>
+              <p:nvPr/>
+            </p:nvPicPr>
+            <p:blipFill>
+              <a:blip r:embed="rId3"/>
+              <a:stretch>
+                <a:fillRect/>
+              </a:stretch>
+            </p:blipFill>
+            <p:spPr>
+              <a:xfrm>
+                <a:off x="263364" y="158256"/>
+                <a:ext cx="4852865" cy="2686838"/>
+              </a:xfrm>
+              <a:prstGeom prst="rect">
+                <a:avLst/>
+              </a:prstGeom>
+              <a:ln>
+                <a:solidFill>
+                  <a:schemeClr val="bg1">
+                    <a:lumMod val="95000"/>
+                  </a:schemeClr>
+                </a:solidFill>
+              </a:ln>
+            </p:spPr>
+          </p:pic>
+          <p:pic>
+            <p:nvPicPr>
+              <p:cNvPr id="33" name="Picture 32">
+                <a:extLst>
+                  <a:ext uri="{FF2B5EF4-FFF2-40B4-BE49-F238E27FC236}">
+                    <a16:creationId xmlns:a16="http://schemas.microsoft.com/office/drawing/2014/main" id="{F60263FC-C166-0838-241E-CC828CEA3DF8}"/>
+                  </a:ext>
+                </a:extLst>
+              </p:cNvPr>
+              <p:cNvPicPr>
+                <a:picLocks noChangeAspect="1"/>
+              </p:cNvPicPr>
+              <p:nvPr/>
+            </p:nvPicPr>
+            <p:blipFill>
+              <a:blip r:embed="rId4"/>
+              <a:stretch>
+                <a:fillRect/>
+              </a:stretch>
+            </p:blipFill>
+            <p:spPr>
+              <a:xfrm>
+                <a:off x="263364" y="2935706"/>
+                <a:ext cx="4852865" cy="2683470"/>
+              </a:xfrm>
+              <a:prstGeom prst="rect">
+                <a:avLst/>
+              </a:prstGeom>
+              <a:ln>
+                <a:solidFill>
+                  <a:schemeClr val="bg1">
+                    <a:lumMod val="95000"/>
+                  </a:schemeClr>
+                </a:solidFill>
+              </a:ln>
+            </p:spPr>
+          </p:pic>
+        </p:grpSp>
+        <p:sp>
+          <p:nvSpPr>
+            <p:cNvPr id="2" name="Rectangle 1">
+              <a:extLst>
+                <a:ext uri="{FF2B5EF4-FFF2-40B4-BE49-F238E27FC236}">
+                  <a16:creationId xmlns:a16="http://schemas.microsoft.com/office/drawing/2014/main" id="{C469C68B-A728-013A-1810-72FA2FC4BFDA}"/>
+                </a:ext>
+              </a:extLst>
+            </p:cNvPr>
+            <p:cNvSpPr/>
+            <p:nvPr/>
+          </p:nvSpPr>
           <p:spPr>
             <a:xfrm>
-              <a:off x="576312" y="2212586"/>
-              <a:ext cx="1781877" cy="1858556"/>
+              <a:off x="218844" y="1339576"/>
+              <a:ext cx="200606" cy="92333"/>
             </a:xfrm>
             <a:prstGeom prst="rect">
               <a:avLst/>
             </a:prstGeom>
-            <a:ln>
-              <a:solidFill>
-                <a:schemeClr val="bg1">
-                  <a:lumMod val="95000"/>
-                </a:schemeClr>
-              </a:solidFill>
-            </a:ln>
+            <a:noFill/>
           </p:spPr>
-        </p:pic>
-        <p:pic>
-          <p:nvPicPr>
-            <p:cNvPr id="11" name="Picture 10">
+          <p:txBody>
+            <a:bodyPr wrap="square" lIns="36000" tIns="0" rIns="36000" bIns="0">
+              <a:spAutoFit/>
+            </a:bodyPr>
+            <a:lstStyle/>
+            <a:p>
+              <a:pPr algn="ctr"/>
+              <a:r>
+                <a:rPr lang="en-US" sz="600" b="1" cap="none" spc="0" dirty="0">
+                  <a:ln w="0"/>
+                  <a:solidFill>
+                    <a:schemeClr val="tx1"/>
+                  </a:solidFill>
+                </a:rPr>
+                <a:t>a1</a:t>
+              </a:r>
+            </a:p>
+          </p:txBody>
+        </p:sp>
+        <p:sp>
+          <p:nvSpPr>
+            <p:cNvPr id="15" name="Rectangle 14">
               <a:extLst>
                 <a:ext uri="{FF2B5EF4-FFF2-40B4-BE49-F238E27FC236}">
-                  <a16:creationId xmlns:a16="http://schemas.microsoft.com/office/drawing/2014/main" id="{BBF67781-23C4-3E80-AA79-B64EAB14E74A}"/>
+                  <a16:creationId xmlns:a16="http://schemas.microsoft.com/office/drawing/2014/main" id="{873D813D-2345-68D6-67D8-91A73F5E599B}"/>
                 </a:ext>
               </a:extLst>
             </p:cNvPr>
-            <p:cNvPicPr>
-              <a:picLocks noChangeAspect="1"/>
-            </p:cNvPicPr>
+            <p:cNvSpPr/>
             <p:nvPr/>
-          </p:nvPicPr>
-          <p:blipFill>
-            <a:blip r:embed="rId4"/>
-            <a:stretch>
-              <a:fillRect/>
-            </a:stretch>
-          </p:blipFill>
+          </p:nvSpPr>
           <p:spPr>
             <a:xfrm>
-              <a:off x="576311" y="4248056"/>
-              <a:ext cx="1781877" cy="1858556"/>
+              <a:off x="218844" y="2689255"/>
+              <a:ext cx="200606" cy="92333"/>
             </a:xfrm>
             <a:prstGeom prst="rect">
               <a:avLst/>
             </a:prstGeom>
-            <a:ln>
-              <a:solidFill>
-                <a:schemeClr val="bg1">
-                  <a:lumMod val="95000"/>
-                </a:schemeClr>
-              </a:solidFill>
-            </a:ln>
+            <a:noFill/>
           </p:spPr>
-        </p:pic>
+          <p:txBody>
+            <a:bodyPr wrap="square" lIns="36000" tIns="0" rIns="36000" bIns="0">
+              <a:spAutoFit/>
+            </a:bodyPr>
+            <a:lstStyle/>
+            <a:p>
+              <a:pPr algn="ctr"/>
+              <a:r>
+                <a:rPr lang="en-US" sz="600" b="1" cap="none" spc="0" dirty="0">
+                  <a:ln w="0"/>
+                  <a:solidFill>
+                    <a:schemeClr val="tx1"/>
+                  </a:solidFill>
+                </a:rPr>
+                <a:t>b1</a:t>
+              </a:r>
+            </a:p>
+          </p:txBody>
+        </p:sp>
         <p:pic>
           <p:nvPicPr>
-            <p:cNvPr id="13" name="Picture 12">
+            <p:cNvPr id="8" name="Picture 7">
               <a:extLst>
                 <a:ext uri="{FF2B5EF4-FFF2-40B4-BE49-F238E27FC236}">
-                  <a16:creationId xmlns:a16="http://schemas.microsoft.com/office/drawing/2014/main" id="{74AA96C9-5A80-A627-8597-C05F728A91BC}"/>
+                  <a16:creationId xmlns:a16="http://schemas.microsoft.com/office/drawing/2014/main" id="{1053F02C-E3F4-3210-A761-1185908673AE}"/>
                 </a:ext>
               </a:extLst>
             </p:cNvPr>
@@ -3691,8 +5373,8 @@
           </p:blipFill>
           <p:spPr>
             <a:xfrm>
-              <a:off x="2599276" y="177116"/>
-              <a:ext cx="2687024" cy="1858556"/>
+              <a:off x="2643155" y="158255"/>
+              <a:ext cx="2352001" cy="1307232"/>
             </a:xfrm>
             <a:prstGeom prst="rect">
               <a:avLst/>
@@ -3706,196 +5388,105 @@
             </a:ln>
           </p:spPr>
         </p:pic>
-        <p:pic>
-          <p:nvPicPr>
-            <p:cNvPr id="15" name="Picture 14">
+        <p:sp>
+          <p:nvSpPr>
+            <p:cNvPr id="11" name="Rectangle 10">
               <a:extLst>
                 <a:ext uri="{FF2B5EF4-FFF2-40B4-BE49-F238E27FC236}">
-                  <a16:creationId xmlns:a16="http://schemas.microsoft.com/office/drawing/2014/main" id="{26498855-1AD0-85E1-E59D-754828BCED55}"/>
+                  <a16:creationId xmlns:a16="http://schemas.microsoft.com/office/drawing/2014/main" id="{57C931C2-0BEC-37BB-1FE8-0B2C9254E039}"/>
                 </a:ext>
               </a:extLst>
             </p:cNvPr>
-            <p:cNvPicPr>
-              <a:picLocks noChangeAspect="1"/>
-            </p:cNvPicPr>
+            <p:cNvSpPr/>
             <p:nvPr/>
-          </p:nvPicPr>
-          <p:blipFill>
-            <a:blip r:embed="rId6"/>
-            <a:stretch>
-              <a:fillRect/>
-            </a:stretch>
-          </p:blipFill>
+          </p:nvSpPr>
           <p:spPr>
             <a:xfrm>
-              <a:off x="2599276" y="2212586"/>
-              <a:ext cx="2687024" cy="1858556"/>
+              <a:off x="2643152" y="1339576"/>
+              <a:ext cx="200606" cy="92333"/>
             </a:xfrm>
             <a:prstGeom prst="rect">
               <a:avLst/>
             </a:prstGeom>
-            <a:ln>
-              <a:solidFill>
-                <a:schemeClr val="bg1">
-                  <a:lumMod val="95000"/>
-                </a:schemeClr>
-              </a:solidFill>
-            </a:ln>
+            <a:noFill/>
           </p:spPr>
-        </p:pic>
-        <p:pic>
-          <p:nvPicPr>
-            <p:cNvPr id="17" name="Picture 16">
+          <p:txBody>
+            <a:bodyPr wrap="square" lIns="36000" tIns="0" rIns="36000" bIns="0">
+              <a:spAutoFit/>
+            </a:bodyPr>
+            <a:lstStyle/>
+            <a:p>
+              <a:pPr algn="ctr"/>
+              <a:r>
+                <a:rPr lang="en-US" sz="600" b="1" cap="none" spc="0" dirty="0">
+                  <a:ln w="0"/>
+                  <a:solidFill>
+                    <a:schemeClr val="tx1"/>
+                  </a:solidFill>
+                </a:rPr>
+                <a:t>a2</a:t>
+              </a:r>
+            </a:p>
+          </p:txBody>
+        </p:sp>
+        <p:sp>
+          <p:nvSpPr>
+            <p:cNvPr id="12" name="Rectangle 11">
               <a:extLst>
                 <a:ext uri="{FF2B5EF4-FFF2-40B4-BE49-F238E27FC236}">
-                  <a16:creationId xmlns:a16="http://schemas.microsoft.com/office/drawing/2014/main" id="{A1B3A013-A263-6A06-863F-C06B2A4A1183}"/>
+                  <a16:creationId xmlns:a16="http://schemas.microsoft.com/office/drawing/2014/main" id="{8BE8CC2F-7E9F-6BAF-4F4E-4BF09A75F59E}"/>
                 </a:ext>
               </a:extLst>
             </p:cNvPr>
-            <p:cNvPicPr>
-              <a:picLocks noChangeAspect="1"/>
-            </p:cNvPicPr>
+            <p:cNvSpPr/>
             <p:nvPr/>
-          </p:nvPicPr>
-          <p:blipFill>
-            <a:blip r:embed="rId7"/>
-            <a:stretch>
-              <a:fillRect/>
-            </a:stretch>
-          </p:blipFill>
+          </p:nvSpPr>
           <p:spPr>
             <a:xfrm>
-              <a:off x="2599276" y="4248057"/>
-              <a:ext cx="2687024" cy="1858555"/>
+              <a:off x="2643152" y="2689255"/>
+              <a:ext cx="200606" cy="92333"/>
             </a:xfrm>
             <a:prstGeom prst="rect">
               <a:avLst/>
             </a:prstGeom>
-            <a:ln>
-              <a:solidFill>
-                <a:schemeClr val="bg1">
-                  <a:lumMod val="95000"/>
-                </a:schemeClr>
-              </a:solidFill>
-            </a:ln>
+            <a:noFill/>
           </p:spPr>
-        </p:pic>
-        <p:pic>
-          <p:nvPicPr>
-            <p:cNvPr id="19" name="Picture 18">
-              <a:extLst>
-                <a:ext uri="{FF2B5EF4-FFF2-40B4-BE49-F238E27FC236}">
-                  <a16:creationId xmlns:a16="http://schemas.microsoft.com/office/drawing/2014/main" id="{588C3864-CFC5-4FA8-A737-ED6DC787EF43}"/>
-                </a:ext>
-              </a:extLst>
-            </p:cNvPr>
-            <p:cNvPicPr>
-              <a:picLocks noChangeAspect="1"/>
-            </p:cNvPicPr>
-            <p:nvPr/>
-          </p:nvPicPr>
-          <p:blipFill>
-            <a:blip r:embed="rId8"/>
-            <a:stretch>
-              <a:fillRect/>
-            </a:stretch>
-          </p:blipFill>
-          <p:spPr>
-            <a:xfrm>
-              <a:off x="5527387" y="177116"/>
-              <a:ext cx="1532214" cy="1858556"/>
-            </a:xfrm>
-            <a:prstGeom prst="rect">
-              <a:avLst/>
-            </a:prstGeom>
-            <a:ln>
-              <a:solidFill>
-                <a:schemeClr val="bg1">
-                  <a:lumMod val="95000"/>
-                </a:schemeClr>
-              </a:solidFill>
-            </a:ln>
-          </p:spPr>
-        </p:pic>
-        <p:pic>
-          <p:nvPicPr>
-            <p:cNvPr id="21" name="Picture 20">
-              <a:extLst>
-                <a:ext uri="{FF2B5EF4-FFF2-40B4-BE49-F238E27FC236}">
-                  <a16:creationId xmlns:a16="http://schemas.microsoft.com/office/drawing/2014/main" id="{A4E3D2FA-B371-915C-9DDC-44625890DAB2}"/>
-                </a:ext>
-              </a:extLst>
-            </p:cNvPr>
-            <p:cNvPicPr>
-              <a:picLocks noChangeAspect="1"/>
-            </p:cNvPicPr>
-            <p:nvPr/>
-          </p:nvPicPr>
-          <p:blipFill>
-            <a:blip r:embed="rId9"/>
-            <a:stretch>
-              <a:fillRect/>
-            </a:stretch>
-          </p:blipFill>
-          <p:spPr>
-            <a:xfrm>
-              <a:off x="5527388" y="2212587"/>
-              <a:ext cx="1532214" cy="1858556"/>
-            </a:xfrm>
-            <a:prstGeom prst="rect">
-              <a:avLst/>
-            </a:prstGeom>
-            <a:ln>
-              <a:solidFill>
-                <a:schemeClr val="bg1">
-                  <a:lumMod val="95000"/>
-                </a:schemeClr>
-              </a:solidFill>
-            </a:ln>
-          </p:spPr>
-        </p:pic>
-        <p:pic>
-          <p:nvPicPr>
-            <p:cNvPr id="23" name="Picture 22">
-              <a:extLst>
-                <a:ext uri="{FF2B5EF4-FFF2-40B4-BE49-F238E27FC236}">
-                  <a16:creationId xmlns:a16="http://schemas.microsoft.com/office/drawing/2014/main" id="{3856D5AC-FE29-3540-6863-CC43DBF329D6}"/>
-                </a:ext>
-              </a:extLst>
-            </p:cNvPr>
-            <p:cNvPicPr>
-              <a:picLocks noChangeAspect="1"/>
-            </p:cNvPicPr>
-            <p:nvPr/>
-          </p:nvPicPr>
-          <p:blipFill>
-            <a:blip r:embed="rId9"/>
-            <a:stretch>
-              <a:fillRect/>
-            </a:stretch>
-          </p:blipFill>
-          <p:spPr>
-            <a:xfrm>
-              <a:off x="5527387" y="4248057"/>
-              <a:ext cx="1532214" cy="1858556"/>
-            </a:xfrm>
-            <a:prstGeom prst="rect">
-              <a:avLst/>
-            </a:prstGeom>
-            <a:ln>
-              <a:solidFill>
-                <a:schemeClr val="bg1">
-                  <a:lumMod val="95000"/>
-                </a:schemeClr>
-              </a:solidFill>
-            </a:ln>
-          </p:spPr>
-        </p:pic>
+          <p:txBody>
+            <a:bodyPr wrap="square" lIns="36000" tIns="0" rIns="36000" bIns="0">
+              <a:spAutoFit/>
+            </a:bodyPr>
+            <a:lstStyle/>
+            <a:p>
+              <a:pPr algn="ctr"/>
+              <a:r>
+                <a:rPr lang="en-US" sz="600" b="1" cap="none" spc="0" dirty="0">
+                  <a:ln w="0"/>
+                  <a:solidFill>
+                    <a:schemeClr val="tx1"/>
+                  </a:solidFill>
+                </a:rPr>
+                <a:t>b</a:t>
+              </a:r>
+              <a:r>
+                <a:rPr lang="en-US" sz="600" b="1" dirty="0">
+                  <a:ln w="0"/>
+                </a:rPr>
+                <a:t>2</a:t>
+              </a:r>
+              <a:endParaRPr lang="en-US" sz="600" b="1" cap="none" spc="0" dirty="0">
+                <a:ln w="0"/>
+                <a:solidFill>
+                  <a:schemeClr val="tx1"/>
+                </a:solidFill>
+              </a:endParaRPr>
+            </a:p>
+          </p:txBody>
+        </p:sp>
       </p:grpSp>
     </p:spTree>
     <p:extLst>
       <p:ext uri="{BB962C8B-B14F-4D97-AF65-F5344CB8AC3E}">
-        <p14:creationId xmlns:p14="http://schemas.microsoft.com/office/powerpoint/2010/main" val="3153098696"/>
+        <p14:creationId xmlns:p14="http://schemas.microsoft.com/office/powerpoint/2010/main" val="3547312974"/>
       </p:ext>
     </p:extLst>
   </p:cSld>
@@ -3922,339 +5513,1539 @@
           <a:chExt cx="0" cy="0"/>
         </a:xfrm>
       </p:grpSpPr>
-      <p:pic>
-        <p:nvPicPr>
-          <p:cNvPr id="5" name="Picture 4">
+      <p:grpSp>
+        <p:nvGrpSpPr>
+          <p:cNvPr id="32" name="Group 31">
             <a:extLst>
               <a:ext uri="{FF2B5EF4-FFF2-40B4-BE49-F238E27FC236}">
-                <a16:creationId xmlns:a16="http://schemas.microsoft.com/office/drawing/2014/main" id="{A76BF9F7-F5B3-3ED4-FEC5-D0B0AF5F7B15}"/>
+                <a16:creationId xmlns:a16="http://schemas.microsoft.com/office/drawing/2014/main" id="{185667D3-F638-B48E-4345-AEC823A824A3}"/>
               </a:ext>
             </a:extLst>
           </p:cNvPr>
-          <p:cNvPicPr>
-            <a:picLocks noChangeAspect="1"/>
-          </p:cNvPicPr>
+          <p:cNvGrpSpPr/>
           <p:nvPr/>
-        </p:nvPicPr>
-        <p:blipFill>
-          <a:blip r:embed="rId2"/>
-          <a:stretch>
-            <a:fillRect/>
-          </a:stretch>
-        </p:blipFill>
-        <p:spPr>
+        </p:nvGrpSpPr>
+        <p:grpSpPr>
           <a:xfrm>
-            <a:off x="147370" y="106346"/>
-            <a:ext cx="2651826" cy="1824393"/>
+            <a:off x="136364" y="228875"/>
+            <a:ext cx="6569555" cy="5929497"/>
+            <a:chOff x="136364" y="228875"/>
+            <a:chExt cx="6569555" cy="5929497"/>
           </a:xfrm>
-          <a:prstGeom prst="rect">
-            <a:avLst/>
-          </a:prstGeom>
-          <a:ln>
-            <a:solidFill>
-              <a:schemeClr val="bg1">
-                <a:lumMod val="95000"/>
-              </a:schemeClr>
-            </a:solidFill>
-          </a:ln>
-        </p:spPr>
-      </p:pic>
-      <p:pic>
-        <p:nvPicPr>
-          <p:cNvPr id="7" name="Picture 6">
+        </p:grpSpPr>
+        <p:grpSp>
+          <p:nvGrpSpPr>
+            <p:cNvPr id="29" name="Group 28">
+              <a:extLst>
+                <a:ext uri="{FF2B5EF4-FFF2-40B4-BE49-F238E27FC236}">
+                  <a16:creationId xmlns:a16="http://schemas.microsoft.com/office/drawing/2014/main" id="{F4686D60-1AE7-331C-4983-0A15B8EBCEC0}"/>
+                </a:ext>
+              </a:extLst>
+            </p:cNvPr>
+            <p:cNvGrpSpPr/>
+            <p:nvPr/>
+          </p:nvGrpSpPr>
+          <p:grpSpPr>
+            <a:xfrm>
+              <a:off x="222628" y="228875"/>
+              <a:ext cx="6483291" cy="5929497"/>
+              <a:chOff x="576311" y="177116"/>
+              <a:chExt cx="6483291" cy="5929497"/>
+            </a:xfrm>
+          </p:grpSpPr>
+          <p:pic>
+            <p:nvPicPr>
+              <p:cNvPr id="7" name="Picture 6">
+                <a:extLst>
+                  <a:ext uri="{FF2B5EF4-FFF2-40B4-BE49-F238E27FC236}">
+                    <a16:creationId xmlns:a16="http://schemas.microsoft.com/office/drawing/2014/main" id="{6B2D5CEA-8CBB-C354-A0F2-86AEF4446CDF}"/>
+                  </a:ext>
+                </a:extLst>
+              </p:cNvPr>
+              <p:cNvPicPr>
+                <a:picLocks noChangeAspect="1"/>
+              </p:cNvPicPr>
+              <p:nvPr/>
+            </p:nvPicPr>
+            <p:blipFill>
+              <a:blip r:embed="rId2"/>
+              <a:stretch>
+                <a:fillRect/>
+              </a:stretch>
+            </p:blipFill>
+            <p:spPr>
+              <a:xfrm>
+                <a:off x="576312" y="177116"/>
+                <a:ext cx="1781877" cy="1858556"/>
+              </a:xfrm>
+              <a:prstGeom prst="rect">
+                <a:avLst/>
+              </a:prstGeom>
+              <a:ln>
+                <a:solidFill>
+                  <a:schemeClr val="bg1">
+                    <a:lumMod val="95000"/>
+                  </a:schemeClr>
+                </a:solidFill>
+              </a:ln>
+            </p:spPr>
+          </p:pic>
+          <p:pic>
+            <p:nvPicPr>
+              <p:cNvPr id="9" name="Picture 8">
+                <a:extLst>
+                  <a:ext uri="{FF2B5EF4-FFF2-40B4-BE49-F238E27FC236}">
+                    <a16:creationId xmlns:a16="http://schemas.microsoft.com/office/drawing/2014/main" id="{6D08B17C-8199-EE52-EC64-90A0AE61AC4E}"/>
+                  </a:ext>
+                </a:extLst>
+              </p:cNvPr>
+              <p:cNvPicPr>
+                <a:picLocks noChangeAspect="1"/>
+              </p:cNvPicPr>
+              <p:nvPr/>
+            </p:nvPicPr>
+            <p:blipFill>
+              <a:blip r:embed="rId3"/>
+              <a:stretch>
+                <a:fillRect/>
+              </a:stretch>
+            </p:blipFill>
+            <p:spPr>
+              <a:xfrm>
+                <a:off x="576312" y="2212586"/>
+                <a:ext cx="1781877" cy="1858556"/>
+              </a:xfrm>
+              <a:prstGeom prst="rect">
+                <a:avLst/>
+              </a:prstGeom>
+              <a:ln>
+                <a:solidFill>
+                  <a:schemeClr val="bg1">
+                    <a:lumMod val="95000"/>
+                  </a:schemeClr>
+                </a:solidFill>
+              </a:ln>
+            </p:spPr>
+          </p:pic>
+          <p:pic>
+            <p:nvPicPr>
+              <p:cNvPr id="11" name="Picture 10">
+                <a:extLst>
+                  <a:ext uri="{FF2B5EF4-FFF2-40B4-BE49-F238E27FC236}">
+                    <a16:creationId xmlns:a16="http://schemas.microsoft.com/office/drawing/2014/main" id="{BBF67781-23C4-3E80-AA79-B64EAB14E74A}"/>
+                  </a:ext>
+                </a:extLst>
+              </p:cNvPr>
+              <p:cNvPicPr>
+                <a:picLocks noChangeAspect="1"/>
+              </p:cNvPicPr>
+              <p:nvPr/>
+            </p:nvPicPr>
+            <p:blipFill>
+              <a:blip r:embed="rId4"/>
+              <a:stretch>
+                <a:fillRect/>
+              </a:stretch>
+            </p:blipFill>
+            <p:spPr>
+              <a:xfrm>
+                <a:off x="576311" y="4248056"/>
+                <a:ext cx="1781877" cy="1858556"/>
+              </a:xfrm>
+              <a:prstGeom prst="rect">
+                <a:avLst/>
+              </a:prstGeom>
+              <a:ln>
+                <a:solidFill>
+                  <a:schemeClr val="bg1">
+                    <a:lumMod val="95000"/>
+                  </a:schemeClr>
+                </a:solidFill>
+              </a:ln>
+            </p:spPr>
+          </p:pic>
+          <p:pic>
+            <p:nvPicPr>
+              <p:cNvPr id="13" name="Picture 12">
+                <a:extLst>
+                  <a:ext uri="{FF2B5EF4-FFF2-40B4-BE49-F238E27FC236}">
+                    <a16:creationId xmlns:a16="http://schemas.microsoft.com/office/drawing/2014/main" id="{74AA96C9-5A80-A627-8597-C05F728A91BC}"/>
+                  </a:ext>
+                </a:extLst>
+              </p:cNvPr>
+              <p:cNvPicPr>
+                <a:picLocks noChangeAspect="1"/>
+              </p:cNvPicPr>
+              <p:nvPr/>
+            </p:nvPicPr>
+            <p:blipFill>
+              <a:blip r:embed="rId5"/>
+              <a:stretch>
+                <a:fillRect/>
+              </a:stretch>
+            </p:blipFill>
+            <p:spPr>
+              <a:xfrm>
+                <a:off x="2599276" y="177116"/>
+                <a:ext cx="2687024" cy="1858556"/>
+              </a:xfrm>
+              <a:prstGeom prst="rect">
+                <a:avLst/>
+              </a:prstGeom>
+              <a:ln>
+                <a:solidFill>
+                  <a:schemeClr val="bg1">
+                    <a:lumMod val="95000"/>
+                  </a:schemeClr>
+                </a:solidFill>
+              </a:ln>
+            </p:spPr>
+          </p:pic>
+          <p:pic>
+            <p:nvPicPr>
+              <p:cNvPr id="15" name="Picture 14">
+                <a:extLst>
+                  <a:ext uri="{FF2B5EF4-FFF2-40B4-BE49-F238E27FC236}">
+                    <a16:creationId xmlns:a16="http://schemas.microsoft.com/office/drawing/2014/main" id="{26498855-1AD0-85E1-E59D-754828BCED55}"/>
+                  </a:ext>
+                </a:extLst>
+              </p:cNvPr>
+              <p:cNvPicPr>
+                <a:picLocks noChangeAspect="1"/>
+              </p:cNvPicPr>
+              <p:nvPr/>
+            </p:nvPicPr>
+            <p:blipFill>
+              <a:blip r:embed="rId6"/>
+              <a:stretch>
+                <a:fillRect/>
+              </a:stretch>
+            </p:blipFill>
+            <p:spPr>
+              <a:xfrm>
+                <a:off x="2599276" y="2212586"/>
+                <a:ext cx="2687024" cy="1858556"/>
+              </a:xfrm>
+              <a:prstGeom prst="rect">
+                <a:avLst/>
+              </a:prstGeom>
+              <a:ln>
+                <a:solidFill>
+                  <a:schemeClr val="bg1">
+                    <a:lumMod val="95000"/>
+                  </a:schemeClr>
+                </a:solidFill>
+              </a:ln>
+            </p:spPr>
+          </p:pic>
+          <p:pic>
+            <p:nvPicPr>
+              <p:cNvPr id="17" name="Picture 16">
+                <a:extLst>
+                  <a:ext uri="{FF2B5EF4-FFF2-40B4-BE49-F238E27FC236}">
+                    <a16:creationId xmlns:a16="http://schemas.microsoft.com/office/drawing/2014/main" id="{A1B3A013-A263-6A06-863F-C06B2A4A1183}"/>
+                  </a:ext>
+                </a:extLst>
+              </p:cNvPr>
+              <p:cNvPicPr>
+                <a:picLocks noChangeAspect="1"/>
+              </p:cNvPicPr>
+              <p:nvPr/>
+            </p:nvPicPr>
+            <p:blipFill>
+              <a:blip r:embed="rId7"/>
+              <a:stretch>
+                <a:fillRect/>
+              </a:stretch>
+            </p:blipFill>
+            <p:spPr>
+              <a:xfrm>
+                <a:off x="2599276" y="4248057"/>
+                <a:ext cx="2687024" cy="1858555"/>
+              </a:xfrm>
+              <a:prstGeom prst="rect">
+                <a:avLst/>
+              </a:prstGeom>
+              <a:ln>
+                <a:solidFill>
+                  <a:schemeClr val="bg1">
+                    <a:lumMod val="95000"/>
+                  </a:schemeClr>
+                </a:solidFill>
+              </a:ln>
+            </p:spPr>
+          </p:pic>
+          <p:pic>
+            <p:nvPicPr>
+              <p:cNvPr id="19" name="Picture 18">
+                <a:extLst>
+                  <a:ext uri="{FF2B5EF4-FFF2-40B4-BE49-F238E27FC236}">
+                    <a16:creationId xmlns:a16="http://schemas.microsoft.com/office/drawing/2014/main" id="{588C3864-CFC5-4FA8-A737-ED6DC787EF43}"/>
+                  </a:ext>
+                </a:extLst>
+              </p:cNvPr>
+              <p:cNvPicPr>
+                <a:picLocks noChangeAspect="1"/>
+              </p:cNvPicPr>
+              <p:nvPr/>
+            </p:nvPicPr>
+            <p:blipFill>
+              <a:blip r:embed="rId8"/>
+              <a:stretch>
+                <a:fillRect/>
+              </a:stretch>
+            </p:blipFill>
+            <p:spPr>
+              <a:xfrm>
+                <a:off x="5527387" y="177116"/>
+                <a:ext cx="1532214" cy="1858556"/>
+              </a:xfrm>
+              <a:prstGeom prst="rect">
+                <a:avLst/>
+              </a:prstGeom>
+              <a:ln>
+                <a:solidFill>
+                  <a:schemeClr val="bg1">
+                    <a:lumMod val="95000"/>
+                  </a:schemeClr>
+                </a:solidFill>
+              </a:ln>
+            </p:spPr>
+          </p:pic>
+          <p:pic>
+            <p:nvPicPr>
+              <p:cNvPr id="21" name="Picture 20">
+                <a:extLst>
+                  <a:ext uri="{FF2B5EF4-FFF2-40B4-BE49-F238E27FC236}">
+                    <a16:creationId xmlns:a16="http://schemas.microsoft.com/office/drawing/2014/main" id="{A4E3D2FA-B371-915C-9DDC-44625890DAB2}"/>
+                  </a:ext>
+                </a:extLst>
+              </p:cNvPr>
+              <p:cNvPicPr>
+                <a:picLocks noChangeAspect="1"/>
+              </p:cNvPicPr>
+              <p:nvPr/>
+            </p:nvPicPr>
+            <p:blipFill>
+              <a:blip r:embed="rId9"/>
+              <a:stretch>
+                <a:fillRect/>
+              </a:stretch>
+            </p:blipFill>
+            <p:spPr>
+              <a:xfrm>
+                <a:off x="5527388" y="2212587"/>
+                <a:ext cx="1532214" cy="1858556"/>
+              </a:xfrm>
+              <a:prstGeom prst="rect">
+                <a:avLst/>
+              </a:prstGeom>
+              <a:ln>
+                <a:solidFill>
+                  <a:schemeClr val="bg1">
+                    <a:lumMod val="95000"/>
+                  </a:schemeClr>
+                </a:solidFill>
+              </a:ln>
+            </p:spPr>
+          </p:pic>
+          <p:pic>
+            <p:nvPicPr>
+              <p:cNvPr id="23" name="Picture 22">
+                <a:extLst>
+                  <a:ext uri="{FF2B5EF4-FFF2-40B4-BE49-F238E27FC236}">
+                    <a16:creationId xmlns:a16="http://schemas.microsoft.com/office/drawing/2014/main" id="{3856D5AC-FE29-3540-6863-CC43DBF329D6}"/>
+                  </a:ext>
+                </a:extLst>
+              </p:cNvPr>
+              <p:cNvPicPr>
+                <a:picLocks noChangeAspect="1"/>
+              </p:cNvPicPr>
+              <p:nvPr/>
+            </p:nvPicPr>
+            <p:blipFill>
+              <a:blip r:embed="rId9"/>
+              <a:stretch>
+                <a:fillRect/>
+              </a:stretch>
+            </p:blipFill>
+            <p:spPr>
+              <a:xfrm>
+                <a:off x="5527387" y="4248057"/>
+                <a:ext cx="1532214" cy="1858556"/>
+              </a:xfrm>
+              <a:prstGeom prst="rect">
+                <a:avLst/>
+              </a:prstGeom>
+              <a:ln>
+                <a:solidFill>
+                  <a:schemeClr val="bg1">
+                    <a:lumMod val="95000"/>
+                  </a:schemeClr>
+                </a:solidFill>
+              </a:ln>
+            </p:spPr>
+          </p:pic>
+        </p:grpSp>
+        <p:sp>
+          <p:nvSpPr>
+            <p:cNvPr id="2" name="Rectangle 1">
+              <a:extLst>
+                <a:ext uri="{FF2B5EF4-FFF2-40B4-BE49-F238E27FC236}">
+                  <a16:creationId xmlns:a16="http://schemas.microsoft.com/office/drawing/2014/main" id="{17F35085-A4BB-B4E8-C280-4BF767B65979}"/>
+                </a:ext>
+              </a:extLst>
+            </p:cNvPr>
+            <p:cNvSpPr/>
+            <p:nvPr/>
+          </p:nvSpPr>
+          <p:spPr>
+            <a:xfrm>
+              <a:off x="136364" y="1861988"/>
+              <a:ext cx="362600" cy="246221"/>
+            </a:xfrm>
+            <a:prstGeom prst="rect">
+              <a:avLst/>
+            </a:prstGeom>
+            <a:noFill/>
+          </p:spPr>
+          <p:txBody>
+            <a:bodyPr wrap="square" lIns="91440" tIns="45720" rIns="91440" bIns="45720">
+              <a:spAutoFit/>
+            </a:bodyPr>
+            <a:lstStyle/>
+            <a:p>
+              <a:pPr algn="ctr"/>
+              <a:r>
+                <a:rPr lang="en-US" sz="1000" b="1" cap="none" spc="0" dirty="0">
+                  <a:ln w="0"/>
+                  <a:solidFill>
+                    <a:schemeClr val="tx1"/>
+                  </a:solidFill>
+                </a:rPr>
+                <a:t>a1</a:t>
+              </a:r>
+            </a:p>
+          </p:txBody>
+        </p:sp>
+        <p:sp>
+          <p:nvSpPr>
+            <p:cNvPr id="3" name="Rectangle 2">
+              <a:extLst>
+                <a:ext uri="{FF2B5EF4-FFF2-40B4-BE49-F238E27FC236}">
+                  <a16:creationId xmlns:a16="http://schemas.microsoft.com/office/drawing/2014/main" id="{C9CD6493-660B-8E1A-F2C1-E8527A56E443}"/>
+                </a:ext>
+              </a:extLst>
+            </p:cNvPr>
+            <p:cNvSpPr/>
+            <p:nvPr/>
+          </p:nvSpPr>
+          <p:spPr>
+            <a:xfrm>
+              <a:off x="2168364" y="1861988"/>
+              <a:ext cx="362600" cy="246221"/>
+            </a:xfrm>
+            <a:prstGeom prst="rect">
+              <a:avLst/>
+            </a:prstGeom>
+            <a:noFill/>
+          </p:spPr>
+          <p:txBody>
+            <a:bodyPr wrap="square" lIns="91440" tIns="45720" rIns="91440" bIns="45720">
+              <a:spAutoFit/>
+            </a:bodyPr>
+            <a:lstStyle/>
+            <a:p>
+              <a:pPr algn="ctr"/>
+              <a:r>
+                <a:rPr lang="en-US" sz="1000" b="1" cap="none" spc="0" dirty="0">
+                  <a:ln w="0"/>
+                  <a:solidFill>
+                    <a:schemeClr val="tx1"/>
+                  </a:solidFill>
+                </a:rPr>
+                <a:t>a2</a:t>
+              </a:r>
+            </a:p>
+          </p:txBody>
+        </p:sp>
+        <p:sp>
+          <p:nvSpPr>
+            <p:cNvPr id="24" name="Rectangle 23">
+              <a:extLst>
+                <a:ext uri="{FF2B5EF4-FFF2-40B4-BE49-F238E27FC236}">
+                  <a16:creationId xmlns:a16="http://schemas.microsoft.com/office/drawing/2014/main" id="{1A916A4C-9DFB-BC9C-F507-F490372661AF}"/>
+                </a:ext>
+              </a:extLst>
+            </p:cNvPr>
+            <p:cNvSpPr/>
+            <p:nvPr/>
+          </p:nvSpPr>
+          <p:spPr>
+            <a:xfrm>
+              <a:off x="5102064" y="1861988"/>
+              <a:ext cx="362600" cy="246221"/>
+            </a:xfrm>
+            <a:prstGeom prst="rect">
+              <a:avLst/>
+            </a:prstGeom>
+            <a:noFill/>
+          </p:spPr>
+          <p:txBody>
+            <a:bodyPr wrap="square" lIns="91440" tIns="45720" rIns="91440" bIns="45720">
+              <a:spAutoFit/>
+            </a:bodyPr>
+            <a:lstStyle/>
+            <a:p>
+              <a:pPr algn="ctr"/>
+              <a:r>
+                <a:rPr lang="en-US" sz="1000" b="1" cap="none" spc="0" dirty="0">
+                  <a:ln w="0"/>
+                  <a:solidFill>
+                    <a:schemeClr val="tx1"/>
+                  </a:solidFill>
+                </a:rPr>
+                <a:t>a3</a:t>
+              </a:r>
+            </a:p>
+          </p:txBody>
+        </p:sp>
+        <p:sp>
+          <p:nvSpPr>
+            <p:cNvPr id="25" name="Rectangle 24">
+              <a:extLst>
+                <a:ext uri="{FF2B5EF4-FFF2-40B4-BE49-F238E27FC236}">
+                  <a16:creationId xmlns:a16="http://schemas.microsoft.com/office/drawing/2014/main" id="{438AD93A-B5B7-9CB2-3F4D-5D4205829987}"/>
+                </a:ext>
+              </a:extLst>
+            </p:cNvPr>
+            <p:cNvSpPr/>
+            <p:nvPr/>
+          </p:nvSpPr>
+          <p:spPr>
+            <a:xfrm>
+              <a:off x="136364" y="3876680"/>
+              <a:ext cx="362600" cy="246221"/>
+            </a:xfrm>
+            <a:prstGeom prst="rect">
+              <a:avLst/>
+            </a:prstGeom>
+            <a:noFill/>
+          </p:spPr>
+          <p:txBody>
+            <a:bodyPr wrap="square" lIns="91440" tIns="45720" rIns="91440" bIns="45720">
+              <a:spAutoFit/>
+            </a:bodyPr>
+            <a:lstStyle/>
+            <a:p>
+              <a:pPr algn="ctr"/>
+              <a:r>
+                <a:rPr lang="en-US" sz="1000" b="1" cap="none" spc="0" dirty="0">
+                  <a:ln w="0"/>
+                  <a:solidFill>
+                    <a:schemeClr val="tx1"/>
+                  </a:solidFill>
+                </a:rPr>
+                <a:t>b1</a:t>
+              </a:r>
+            </a:p>
+          </p:txBody>
+        </p:sp>
+        <p:sp>
+          <p:nvSpPr>
+            <p:cNvPr id="26" name="Rectangle 25">
+              <a:extLst>
+                <a:ext uri="{FF2B5EF4-FFF2-40B4-BE49-F238E27FC236}">
+                  <a16:creationId xmlns:a16="http://schemas.microsoft.com/office/drawing/2014/main" id="{CB822454-6F18-6F17-3082-AC4912FB4E6D}"/>
+                </a:ext>
+              </a:extLst>
+            </p:cNvPr>
+            <p:cNvSpPr/>
+            <p:nvPr/>
+          </p:nvSpPr>
+          <p:spPr>
+            <a:xfrm>
+              <a:off x="2168364" y="3876680"/>
+              <a:ext cx="362600" cy="246221"/>
+            </a:xfrm>
+            <a:prstGeom prst="rect">
+              <a:avLst/>
+            </a:prstGeom>
+            <a:noFill/>
+          </p:spPr>
+          <p:txBody>
+            <a:bodyPr wrap="square" lIns="91440" tIns="45720" rIns="91440" bIns="45720">
+              <a:spAutoFit/>
+            </a:bodyPr>
+            <a:lstStyle/>
+            <a:p>
+              <a:pPr algn="ctr"/>
+              <a:r>
+                <a:rPr lang="en-US" sz="1000" b="1" cap="none" spc="0" dirty="0">
+                  <a:ln w="0"/>
+                  <a:solidFill>
+                    <a:schemeClr val="tx1"/>
+                  </a:solidFill>
+                </a:rPr>
+                <a:t>b2</a:t>
+              </a:r>
+            </a:p>
+          </p:txBody>
+        </p:sp>
+        <p:sp>
+          <p:nvSpPr>
+            <p:cNvPr id="27" name="Rectangle 26">
+              <a:extLst>
+                <a:ext uri="{FF2B5EF4-FFF2-40B4-BE49-F238E27FC236}">
+                  <a16:creationId xmlns:a16="http://schemas.microsoft.com/office/drawing/2014/main" id="{2597037B-8C13-7808-5DD6-120BEEF9845E}"/>
+                </a:ext>
+              </a:extLst>
+            </p:cNvPr>
+            <p:cNvSpPr/>
+            <p:nvPr/>
+          </p:nvSpPr>
+          <p:spPr>
+            <a:xfrm>
+              <a:off x="5102064" y="3876680"/>
+              <a:ext cx="362600" cy="246221"/>
+            </a:xfrm>
+            <a:prstGeom prst="rect">
+              <a:avLst/>
+            </a:prstGeom>
+            <a:noFill/>
+          </p:spPr>
+          <p:txBody>
+            <a:bodyPr wrap="square" lIns="91440" tIns="45720" rIns="91440" bIns="45720">
+              <a:spAutoFit/>
+            </a:bodyPr>
+            <a:lstStyle/>
+            <a:p>
+              <a:pPr algn="ctr"/>
+              <a:r>
+                <a:rPr lang="en-US" sz="1000" b="1" cap="none" spc="0" dirty="0">
+                  <a:ln w="0"/>
+                  <a:solidFill>
+                    <a:schemeClr val="tx1"/>
+                  </a:solidFill>
+                </a:rPr>
+                <a:t>b3</a:t>
+              </a:r>
+            </a:p>
+          </p:txBody>
+        </p:sp>
+        <p:sp>
+          <p:nvSpPr>
+            <p:cNvPr id="28" name="Rectangle 27">
+              <a:extLst>
+                <a:ext uri="{FF2B5EF4-FFF2-40B4-BE49-F238E27FC236}">
+                  <a16:creationId xmlns:a16="http://schemas.microsoft.com/office/drawing/2014/main" id="{E641452A-A93F-7F96-057E-2308B41025BC}"/>
+                </a:ext>
+              </a:extLst>
+            </p:cNvPr>
+            <p:cNvSpPr/>
+            <p:nvPr/>
+          </p:nvSpPr>
+          <p:spPr>
+            <a:xfrm>
+              <a:off x="136364" y="5891372"/>
+              <a:ext cx="362600" cy="246221"/>
+            </a:xfrm>
+            <a:prstGeom prst="rect">
+              <a:avLst/>
+            </a:prstGeom>
+            <a:noFill/>
+          </p:spPr>
+          <p:txBody>
+            <a:bodyPr wrap="square" lIns="91440" tIns="45720" rIns="91440" bIns="45720">
+              <a:spAutoFit/>
+            </a:bodyPr>
+            <a:lstStyle/>
+            <a:p>
+              <a:pPr algn="ctr"/>
+              <a:r>
+                <a:rPr lang="en-US" sz="1000" b="1" cap="none" spc="0" dirty="0">
+                  <a:ln w="0"/>
+                  <a:solidFill>
+                    <a:schemeClr val="tx1"/>
+                  </a:solidFill>
+                </a:rPr>
+                <a:t>c1</a:t>
+              </a:r>
+            </a:p>
+          </p:txBody>
+        </p:sp>
+        <p:sp>
+          <p:nvSpPr>
+            <p:cNvPr id="30" name="Rectangle 29">
+              <a:extLst>
+                <a:ext uri="{FF2B5EF4-FFF2-40B4-BE49-F238E27FC236}">
+                  <a16:creationId xmlns:a16="http://schemas.microsoft.com/office/drawing/2014/main" id="{341A2956-AAC0-051D-68B4-39A627458040}"/>
+                </a:ext>
+              </a:extLst>
+            </p:cNvPr>
+            <p:cNvSpPr/>
+            <p:nvPr/>
+          </p:nvSpPr>
+          <p:spPr>
+            <a:xfrm>
+              <a:off x="2168364" y="5891372"/>
+              <a:ext cx="362600" cy="246221"/>
+            </a:xfrm>
+            <a:prstGeom prst="rect">
+              <a:avLst/>
+            </a:prstGeom>
+            <a:noFill/>
+          </p:spPr>
+          <p:txBody>
+            <a:bodyPr wrap="square" lIns="91440" tIns="45720" rIns="91440" bIns="45720">
+              <a:spAutoFit/>
+            </a:bodyPr>
+            <a:lstStyle/>
+            <a:p>
+              <a:pPr algn="ctr"/>
+              <a:r>
+                <a:rPr lang="en-US" sz="1000" b="1" dirty="0">
+                  <a:ln w="0"/>
+                </a:rPr>
+                <a:t>c2</a:t>
+              </a:r>
+              <a:endParaRPr lang="en-US" sz="1000" b="1" cap="none" spc="0" dirty="0">
+                <a:ln w="0"/>
+                <a:solidFill>
+                  <a:schemeClr val="tx1"/>
+                </a:solidFill>
+              </a:endParaRPr>
+            </a:p>
+          </p:txBody>
+        </p:sp>
+        <p:sp>
+          <p:nvSpPr>
+            <p:cNvPr id="31" name="Rectangle 30">
+              <a:extLst>
+                <a:ext uri="{FF2B5EF4-FFF2-40B4-BE49-F238E27FC236}">
+                  <a16:creationId xmlns:a16="http://schemas.microsoft.com/office/drawing/2014/main" id="{C1C8148E-2189-C889-901D-EB81BB6BE2B3}"/>
+                </a:ext>
+              </a:extLst>
+            </p:cNvPr>
+            <p:cNvSpPr/>
+            <p:nvPr/>
+          </p:nvSpPr>
+          <p:spPr>
+            <a:xfrm>
+              <a:off x="5102064" y="5891372"/>
+              <a:ext cx="362600" cy="246221"/>
+            </a:xfrm>
+            <a:prstGeom prst="rect">
+              <a:avLst/>
+            </a:prstGeom>
+            <a:noFill/>
+          </p:spPr>
+          <p:txBody>
+            <a:bodyPr wrap="square" lIns="91440" tIns="45720" rIns="91440" bIns="45720">
+              <a:spAutoFit/>
+            </a:bodyPr>
+            <a:lstStyle/>
+            <a:p>
+              <a:pPr algn="ctr"/>
+              <a:r>
+                <a:rPr lang="en-US" sz="1000" b="1" dirty="0">
+                  <a:ln w="0"/>
+                </a:rPr>
+                <a:t>c</a:t>
+              </a:r>
+              <a:r>
+                <a:rPr lang="en-US" sz="1000" b="1" cap="none" spc="0" dirty="0">
+                  <a:ln w="0"/>
+                  <a:solidFill>
+                    <a:schemeClr val="tx1"/>
+                  </a:solidFill>
+                </a:rPr>
+                <a:t>3</a:t>
+              </a:r>
+            </a:p>
+          </p:txBody>
+        </p:sp>
+      </p:grpSp>
+    </p:spTree>
+    <p:extLst>
+      <p:ext uri="{BB962C8B-B14F-4D97-AF65-F5344CB8AC3E}">
+        <p14:creationId xmlns:p14="http://schemas.microsoft.com/office/powerpoint/2010/main" val="3153098696"/>
+      </p:ext>
+    </p:extLst>
+  </p:cSld>
+  <p:clrMapOvr>
+    <a:masterClrMapping/>
+  </p:clrMapOvr>
+</p:sld>
+</file>
+
+<file path=ppt/slides/slide4.xml><?xml version="1.0" encoding="utf-8"?>
+<p:sld xmlns:a="http://schemas.openxmlformats.org/drawingml/2006/main" xmlns:r="http://schemas.openxmlformats.org/officeDocument/2006/relationships" xmlns:p="http://schemas.openxmlformats.org/presentationml/2006/main">
+  <p:cSld>
+    <p:spTree>
+      <p:nvGrpSpPr>
+        <p:cNvPr id="1" name=""/>
+        <p:cNvGrpSpPr/>
+        <p:nvPr/>
+      </p:nvGrpSpPr>
+      <p:grpSpPr>
+        <a:xfrm>
+          <a:off x="0" y="0"/>
+          <a:ext cx="0" cy="0"/>
+          <a:chOff x="0" y="0"/>
+          <a:chExt cx="0" cy="0"/>
+        </a:xfrm>
+      </p:grpSpPr>
+      <p:grpSp>
+        <p:nvGrpSpPr>
+          <p:cNvPr id="35" name="Group 34">
             <a:extLst>
               <a:ext uri="{FF2B5EF4-FFF2-40B4-BE49-F238E27FC236}">
-                <a16:creationId xmlns:a16="http://schemas.microsoft.com/office/drawing/2014/main" id="{6805BA20-7FC3-8A1D-3253-B910CD20D0A5}"/>
+                <a16:creationId xmlns:a16="http://schemas.microsoft.com/office/drawing/2014/main" id="{10769E8A-BAD7-A6DB-3847-6D5EB0D3E6C1}"/>
               </a:ext>
             </a:extLst>
           </p:cNvPr>
-          <p:cNvPicPr>
-            <a:picLocks noChangeAspect="1"/>
-          </p:cNvPicPr>
+          <p:cNvGrpSpPr/>
           <p:nvPr/>
-        </p:nvPicPr>
-        <p:blipFill>
-          <a:blip r:embed="rId3"/>
-          <a:stretch>
-            <a:fillRect/>
-          </a:stretch>
-        </p:blipFill>
-        <p:spPr>
+        </p:nvGrpSpPr>
+        <p:grpSpPr>
           <a:xfrm>
-            <a:off x="2875358" y="106346"/>
-            <a:ext cx="2708460" cy="1824393"/>
+            <a:off x="364506" y="468655"/>
+            <a:ext cx="8281787" cy="5726010"/>
+            <a:chOff x="364506" y="468655"/>
+            <a:chExt cx="8281787" cy="5726010"/>
           </a:xfrm>
-          <a:prstGeom prst="rect">
-            <a:avLst/>
-          </a:prstGeom>
-          <a:ln>
-            <a:solidFill>
-              <a:schemeClr val="bg1">
-                <a:lumMod val="95000"/>
-              </a:schemeClr>
-            </a:solidFill>
-          </a:ln>
-        </p:spPr>
-      </p:pic>
-      <p:pic>
-        <p:nvPicPr>
-          <p:cNvPr id="9" name="Picture 8">
-            <a:extLst>
-              <a:ext uri="{FF2B5EF4-FFF2-40B4-BE49-F238E27FC236}">
-                <a16:creationId xmlns:a16="http://schemas.microsoft.com/office/drawing/2014/main" id="{284FB9BB-5430-7782-D3AC-DA6FD60ACC4F}"/>
-              </a:ext>
-            </a:extLst>
-          </p:cNvPr>
-          <p:cNvPicPr>
-            <a:picLocks noChangeAspect="1"/>
-          </p:cNvPicPr>
-          <p:nvPr/>
-        </p:nvPicPr>
-        <p:blipFill>
-          <a:blip r:embed="rId4"/>
-          <a:stretch>
-            <a:fillRect/>
-          </a:stretch>
-        </p:blipFill>
-        <p:spPr>
-          <a:xfrm>
-            <a:off x="5659980" y="106346"/>
-            <a:ext cx="2688153" cy="1824393"/>
-          </a:xfrm>
-          <a:prstGeom prst="rect">
-            <a:avLst/>
-          </a:prstGeom>
-          <a:ln>
-            <a:solidFill>
-              <a:schemeClr val="bg1">
-                <a:lumMod val="95000"/>
-              </a:schemeClr>
-            </a:solidFill>
-          </a:ln>
-        </p:spPr>
-      </p:pic>
-      <p:pic>
-        <p:nvPicPr>
-          <p:cNvPr id="12" name="Picture 11">
-            <a:extLst>
-              <a:ext uri="{FF2B5EF4-FFF2-40B4-BE49-F238E27FC236}">
-                <a16:creationId xmlns:a16="http://schemas.microsoft.com/office/drawing/2014/main" id="{E4B56EFE-4662-DA11-C308-EEF00F80D30B}"/>
-              </a:ext>
-            </a:extLst>
-          </p:cNvPr>
-          <p:cNvPicPr>
-            <a:picLocks noChangeAspect="1"/>
-          </p:cNvPicPr>
-          <p:nvPr/>
-        </p:nvPicPr>
-        <p:blipFill>
-          <a:blip r:embed="rId5"/>
-          <a:stretch>
-            <a:fillRect/>
-          </a:stretch>
-        </p:blipFill>
-        <p:spPr>
-          <a:xfrm>
-            <a:off x="147371" y="2047198"/>
-            <a:ext cx="2651825" cy="1860605"/>
-          </a:xfrm>
-          <a:prstGeom prst="rect">
-            <a:avLst/>
-          </a:prstGeom>
-          <a:ln>
-            <a:solidFill>
-              <a:schemeClr val="bg1">
-                <a:lumMod val="95000"/>
-              </a:schemeClr>
-            </a:solidFill>
-          </a:ln>
-        </p:spPr>
-      </p:pic>
-      <p:pic>
-        <p:nvPicPr>
-          <p:cNvPr id="14" name="Picture 13">
-            <a:extLst>
-              <a:ext uri="{FF2B5EF4-FFF2-40B4-BE49-F238E27FC236}">
-                <a16:creationId xmlns:a16="http://schemas.microsoft.com/office/drawing/2014/main" id="{ECE5306D-CC31-D24C-5EE2-98BED2277C1F}"/>
-              </a:ext>
-            </a:extLst>
-          </p:cNvPr>
-          <p:cNvPicPr>
-            <a:picLocks noChangeAspect="1"/>
-          </p:cNvPicPr>
-          <p:nvPr/>
-        </p:nvPicPr>
-        <p:blipFill>
-          <a:blip r:embed="rId6"/>
-          <a:stretch>
-            <a:fillRect/>
-          </a:stretch>
-        </p:blipFill>
-        <p:spPr>
-          <a:xfrm>
-            <a:off x="2875358" y="2047199"/>
-            <a:ext cx="2708460" cy="1858508"/>
-          </a:xfrm>
-          <a:prstGeom prst="rect">
-            <a:avLst/>
-          </a:prstGeom>
-          <a:ln>
-            <a:solidFill>
-              <a:schemeClr val="bg1">
-                <a:lumMod val="95000"/>
-              </a:schemeClr>
-            </a:solidFill>
-          </a:ln>
-        </p:spPr>
-      </p:pic>
-      <p:pic>
-        <p:nvPicPr>
-          <p:cNvPr id="16" name="Picture 15">
-            <a:extLst>
-              <a:ext uri="{FF2B5EF4-FFF2-40B4-BE49-F238E27FC236}">
-                <a16:creationId xmlns:a16="http://schemas.microsoft.com/office/drawing/2014/main" id="{D12B9681-BB0A-A914-A2E6-7B16854923CF}"/>
-              </a:ext>
-            </a:extLst>
-          </p:cNvPr>
-          <p:cNvPicPr>
-            <a:picLocks noChangeAspect="1"/>
-          </p:cNvPicPr>
-          <p:nvPr/>
-        </p:nvPicPr>
-        <p:blipFill>
-          <a:blip r:embed="rId7"/>
-          <a:stretch>
-            <a:fillRect/>
-          </a:stretch>
-        </p:blipFill>
-        <p:spPr>
-          <a:xfrm>
-            <a:off x="5659979" y="2047198"/>
-            <a:ext cx="2688153" cy="1844573"/>
-          </a:xfrm>
-          <a:prstGeom prst="rect">
-            <a:avLst/>
-          </a:prstGeom>
-          <a:ln>
-            <a:solidFill>
-              <a:schemeClr val="bg1">
-                <a:lumMod val="95000"/>
-              </a:schemeClr>
-            </a:solidFill>
-          </a:ln>
-        </p:spPr>
-      </p:pic>
-      <p:pic>
-        <p:nvPicPr>
-          <p:cNvPr id="18" name="Picture 17">
-            <a:extLst>
-              <a:ext uri="{FF2B5EF4-FFF2-40B4-BE49-F238E27FC236}">
-                <a16:creationId xmlns:a16="http://schemas.microsoft.com/office/drawing/2014/main" id="{D6096013-5D77-F5F2-520B-36B9F22DF1C3}"/>
-              </a:ext>
-            </a:extLst>
-          </p:cNvPr>
-          <p:cNvPicPr>
-            <a:picLocks noChangeAspect="1"/>
-          </p:cNvPicPr>
-          <p:nvPr/>
-        </p:nvPicPr>
-        <p:blipFill>
-          <a:blip r:embed="rId8"/>
-          <a:stretch>
-            <a:fillRect/>
-          </a:stretch>
-        </p:blipFill>
-        <p:spPr>
-          <a:xfrm>
-            <a:off x="147370" y="4019005"/>
-            <a:ext cx="2651825" cy="1813351"/>
-          </a:xfrm>
-          <a:prstGeom prst="rect">
-            <a:avLst/>
-          </a:prstGeom>
-          <a:ln>
-            <a:solidFill>
-              <a:schemeClr val="bg1">
-                <a:lumMod val="95000"/>
-              </a:schemeClr>
-            </a:solidFill>
-          </a:ln>
-        </p:spPr>
-      </p:pic>
-      <p:pic>
-        <p:nvPicPr>
-          <p:cNvPr id="20" name="Picture 19">
-            <a:extLst>
-              <a:ext uri="{FF2B5EF4-FFF2-40B4-BE49-F238E27FC236}">
-                <a16:creationId xmlns:a16="http://schemas.microsoft.com/office/drawing/2014/main" id="{119DBC1C-C550-21E8-FCA6-07D1C70EABFB}"/>
-              </a:ext>
-            </a:extLst>
-          </p:cNvPr>
-          <p:cNvPicPr>
-            <a:picLocks noChangeAspect="1"/>
-          </p:cNvPicPr>
-          <p:nvPr/>
-        </p:nvPicPr>
-        <p:blipFill>
-          <a:blip r:embed="rId9"/>
-          <a:stretch>
-            <a:fillRect/>
-          </a:stretch>
-        </p:blipFill>
-        <p:spPr>
-          <a:xfrm>
-            <a:off x="2875358" y="4016910"/>
-            <a:ext cx="2708460" cy="1813351"/>
-          </a:xfrm>
-          <a:prstGeom prst="rect">
-            <a:avLst/>
-          </a:prstGeom>
-          <a:ln>
-            <a:solidFill>
-              <a:schemeClr val="bg1">
-                <a:lumMod val="95000"/>
-              </a:schemeClr>
-            </a:solidFill>
-          </a:ln>
-        </p:spPr>
-      </p:pic>
-      <p:pic>
-        <p:nvPicPr>
-          <p:cNvPr id="22" name="Picture 21">
-            <a:extLst>
-              <a:ext uri="{FF2B5EF4-FFF2-40B4-BE49-F238E27FC236}">
-                <a16:creationId xmlns:a16="http://schemas.microsoft.com/office/drawing/2014/main" id="{DC2344E9-BAA7-853F-CDEB-CFB139F0B85C}"/>
-              </a:ext>
-            </a:extLst>
-          </p:cNvPr>
-          <p:cNvPicPr>
-            <a:picLocks noChangeAspect="1"/>
-          </p:cNvPicPr>
-          <p:nvPr/>
-        </p:nvPicPr>
-        <p:blipFill>
-          <a:blip r:embed="rId10"/>
-          <a:stretch>
-            <a:fillRect/>
-          </a:stretch>
-        </p:blipFill>
-        <p:spPr>
-          <a:xfrm>
-            <a:off x="5659979" y="4024262"/>
-            <a:ext cx="2693016" cy="1805999"/>
-          </a:xfrm>
-          <a:prstGeom prst="rect">
-            <a:avLst/>
-          </a:prstGeom>
-          <a:ln>
-            <a:solidFill>
-              <a:schemeClr val="bg1">
-                <a:lumMod val="95000"/>
-              </a:schemeClr>
-            </a:solidFill>
-          </a:ln>
-        </p:spPr>
-      </p:pic>
+        </p:grpSpPr>
+        <p:grpSp>
+          <p:nvGrpSpPr>
+            <p:cNvPr id="2" name="Group 1">
+              <a:extLst>
+                <a:ext uri="{FF2B5EF4-FFF2-40B4-BE49-F238E27FC236}">
+                  <a16:creationId xmlns:a16="http://schemas.microsoft.com/office/drawing/2014/main" id="{861FB67E-FE4D-D503-7481-D600916F1400}"/>
+                </a:ext>
+              </a:extLst>
+            </p:cNvPr>
+            <p:cNvGrpSpPr/>
+            <p:nvPr/>
+          </p:nvGrpSpPr>
+          <p:grpSpPr>
+            <a:xfrm>
+              <a:off x="440668" y="468655"/>
+              <a:ext cx="8205625" cy="5726010"/>
+              <a:chOff x="147370" y="106346"/>
+              <a:chExt cx="8205625" cy="5726010"/>
+            </a:xfrm>
+          </p:grpSpPr>
+          <p:pic>
+            <p:nvPicPr>
+              <p:cNvPr id="5" name="Picture 4">
+                <a:extLst>
+                  <a:ext uri="{FF2B5EF4-FFF2-40B4-BE49-F238E27FC236}">
+                    <a16:creationId xmlns:a16="http://schemas.microsoft.com/office/drawing/2014/main" id="{A76BF9F7-F5B3-3ED4-FEC5-D0B0AF5F7B15}"/>
+                  </a:ext>
+                </a:extLst>
+              </p:cNvPr>
+              <p:cNvPicPr>
+                <a:picLocks noChangeAspect="1"/>
+              </p:cNvPicPr>
+              <p:nvPr/>
+            </p:nvPicPr>
+            <p:blipFill>
+              <a:blip r:embed="rId2"/>
+              <a:stretch>
+                <a:fillRect/>
+              </a:stretch>
+            </p:blipFill>
+            <p:spPr>
+              <a:xfrm>
+                <a:off x="147370" y="106346"/>
+                <a:ext cx="2651826" cy="1824393"/>
+              </a:xfrm>
+              <a:prstGeom prst="rect">
+                <a:avLst/>
+              </a:prstGeom>
+              <a:ln>
+                <a:solidFill>
+                  <a:schemeClr val="bg1">
+                    <a:lumMod val="95000"/>
+                  </a:schemeClr>
+                </a:solidFill>
+              </a:ln>
+            </p:spPr>
+          </p:pic>
+          <p:pic>
+            <p:nvPicPr>
+              <p:cNvPr id="7" name="Picture 6">
+                <a:extLst>
+                  <a:ext uri="{FF2B5EF4-FFF2-40B4-BE49-F238E27FC236}">
+                    <a16:creationId xmlns:a16="http://schemas.microsoft.com/office/drawing/2014/main" id="{6805BA20-7FC3-8A1D-3253-B910CD20D0A5}"/>
+                  </a:ext>
+                </a:extLst>
+              </p:cNvPr>
+              <p:cNvPicPr>
+                <a:picLocks noChangeAspect="1"/>
+              </p:cNvPicPr>
+              <p:nvPr/>
+            </p:nvPicPr>
+            <p:blipFill>
+              <a:blip r:embed="rId3"/>
+              <a:stretch>
+                <a:fillRect/>
+              </a:stretch>
+            </p:blipFill>
+            <p:spPr>
+              <a:xfrm>
+                <a:off x="2875358" y="106346"/>
+                <a:ext cx="2708460" cy="1824393"/>
+              </a:xfrm>
+              <a:prstGeom prst="rect">
+                <a:avLst/>
+              </a:prstGeom>
+              <a:ln>
+                <a:solidFill>
+                  <a:schemeClr val="bg1">
+                    <a:lumMod val="95000"/>
+                  </a:schemeClr>
+                </a:solidFill>
+              </a:ln>
+            </p:spPr>
+          </p:pic>
+          <p:pic>
+            <p:nvPicPr>
+              <p:cNvPr id="9" name="Picture 8">
+                <a:extLst>
+                  <a:ext uri="{FF2B5EF4-FFF2-40B4-BE49-F238E27FC236}">
+                    <a16:creationId xmlns:a16="http://schemas.microsoft.com/office/drawing/2014/main" id="{284FB9BB-5430-7782-D3AC-DA6FD60ACC4F}"/>
+                  </a:ext>
+                </a:extLst>
+              </p:cNvPr>
+              <p:cNvPicPr>
+                <a:picLocks noChangeAspect="1"/>
+              </p:cNvPicPr>
+              <p:nvPr/>
+            </p:nvPicPr>
+            <p:blipFill>
+              <a:blip r:embed="rId4"/>
+              <a:stretch>
+                <a:fillRect/>
+              </a:stretch>
+            </p:blipFill>
+            <p:spPr>
+              <a:xfrm>
+                <a:off x="5659980" y="106346"/>
+                <a:ext cx="2688153" cy="1824393"/>
+              </a:xfrm>
+              <a:prstGeom prst="rect">
+                <a:avLst/>
+              </a:prstGeom>
+              <a:ln>
+                <a:solidFill>
+                  <a:schemeClr val="bg1">
+                    <a:lumMod val="95000"/>
+                  </a:schemeClr>
+                </a:solidFill>
+              </a:ln>
+            </p:spPr>
+          </p:pic>
+          <p:pic>
+            <p:nvPicPr>
+              <p:cNvPr id="12" name="Picture 11">
+                <a:extLst>
+                  <a:ext uri="{FF2B5EF4-FFF2-40B4-BE49-F238E27FC236}">
+                    <a16:creationId xmlns:a16="http://schemas.microsoft.com/office/drawing/2014/main" id="{E4B56EFE-4662-DA11-C308-EEF00F80D30B}"/>
+                  </a:ext>
+                </a:extLst>
+              </p:cNvPr>
+              <p:cNvPicPr>
+                <a:picLocks noChangeAspect="1"/>
+              </p:cNvPicPr>
+              <p:nvPr/>
+            </p:nvPicPr>
+            <p:blipFill>
+              <a:blip r:embed="rId5"/>
+              <a:stretch>
+                <a:fillRect/>
+              </a:stretch>
+            </p:blipFill>
+            <p:spPr>
+              <a:xfrm>
+                <a:off x="147371" y="2047198"/>
+                <a:ext cx="2651825" cy="1860605"/>
+              </a:xfrm>
+              <a:prstGeom prst="rect">
+                <a:avLst/>
+              </a:prstGeom>
+              <a:ln>
+                <a:solidFill>
+                  <a:schemeClr val="bg1">
+                    <a:lumMod val="95000"/>
+                  </a:schemeClr>
+                </a:solidFill>
+              </a:ln>
+            </p:spPr>
+          </p:pic>
+          <p:pic>
+            <p:nvPicPr>
+              <p:cNvPr id="14" name="Picture 13">
+                <a:extLst>
+                  <a:ext uri="{FF2B5EF4-FFF2-40B4-BE49-F238E27FC236}">
+                    <a16:creationId xmlns:a16="http://schemas.microsoft.com/office/drawing/2014/main" id="{ECE5306D-CC31-D24C-5EE2-98BED2277C1F}"/>
+                  </a:ext>
+                </a:extLst>
+              </p:cNvPr>
+              <p:cNvPicPr>
+                <a:picLocks noChangeAspect="1"/>
+              </p:cNvPicPr>
+              <p:nvPr/>
+            </p:nvPicPr>
+            <p:blipFill>
+              <a:blip r:embed="rId6"/>
+              <a:stretch>
+                <a:fillRect/>
+              </a:stretch>
+            </p:blipFill>
+            <p:spPr>
+              <a:xfrm>
+                <a:off x="2875358" y="2047199"/>
+                <a:ext cx="2708460" cy="1858508"/>
+              </a:xfrm>
+              <a:prstGeom prst="rect">
+                <a:avLst/>
+              </a:prstGeom>
+              <a:ln>
+                <a:solidFill>
+                  <a:schemeClr val="bg1">
+                    <a:lumMod val="95000"/>
+                  </a:schemeClr>
+                </a:solidFill>
+              </a:ln>
+            </p:spPr>
+          </p:pic>
+          <p:pic>
+            <p:nvPicPr>
+              <p:cNvPr id="16" name="Picture 15">
+                <a:extLst>
+                  <a:ext uri="{FF2B5EF4-FFF2-40B4-BE49-F238E27FC236}">
+                    <a16:creationId xmlns:a16="http://schemas.microsoft.com/office/drawing/2014/main" id="{D12B9681-BB0A-A914-A2E6-7B16854923CF}"/>
+                  </a:ext>
+                </a:extLst>
+              </p:cNvPr>
+              <p:cNvPicPr>
+                <a:picLocks noChangeAspect="1"/>
+              </p:cNvPicPr>
+              <p:nvPr/>
+            </p:nvPicPr>
+            <p:blipFill>
+              <a:blip r:embed="rId7"/>
+              <a:stretch>
+                <a:fillRect/>
+              </a:stretch>
+            </p:blipFill>
+            <p:spPr>
+              <a:xfrm>
+                <a:off x="5659979" y="2047198"/>
+                <a:ext cx="2688153" cy="1844573"/>
+              </a:xfrm>
+              <a:prstGeom prst="rect">
+                <a:avLst/>
+              </a:prstGeom>
+              <a:ln>
+                <a:solidFill>
+                  <a:schemeClr val="bg1">
+                    <a:lumMod val="95000"/>
+                  </a:schemeClr>
+                </a:solidFill>
+              </a:ln>
+            </p:spPr>
+          </p:pic>
+          <p:pic>
+            <p:nvPicPr>
+              <p:cNvPr id="18" name="Picture 17">
+                <a:extLst>
+                  <a:ext uri="{FF2B5EF4-FFF2-40B4-BE49-F238E27FC236}">
+                    <a16:creationId xmlns:a16="http://schemas.microsoft.com/office/drawing/2014/main" id="{D6096013-5D77-F5F2-520B-36B9F22DF1C3}"/>
+                  </a:ext>
+                </a:extLst>
+              </p:cNvPr>
+              <p:cNvPicPr>
+                <a:picLocks noChangeAspect="1"/>
+              </p:cNvPicPr>
+              <p:nvPr/>
+            </p:nvPicPr>
+            <p:blipFill>
+              <a:blip r:embed="rId8"/>
+              <a:stretch>
+                <a:fillRect/>
+              </a:stretch>
+            </p:blipFill>
+            <p:spPr>
+              <a:xfrm>
+                <a:off x="147370" y="4019005"/>
+                <a:ext cx="2651825" cy="1813351"/>
+              </a:xfrm>
+              <a:prstGeom prst="rect">
+                <a:avLst/>
+              </a:prstGeom>
+              <a:ln>
+                <a:solidFill>
+                  <a:schemeClr val="bg1">
+                    <a:lumMod val="95000"/>
+                  </a:schemeClr>
+                </a:solidFill>
+              </a:ln>
+            </p:spPr>
+          </p:pic>
+          <p:pic>
+            <p:nvPicPr>
+              <p:cNvPr id="20" name="Picture 19">
+                <a:extLst>
+                  <a:ext uri="{FF2B5EF4-FFF2-40B4-BE49-F238E27FC236}">
+                    <a16:creationId xmlns:a16="http://schemas.microsoft.com/office/drawing/2014/main" id="{119DBC1C-C550-21E8-FCA6-07D1C70EABFB}"/>
+                  </a:ext>
+                </a:extLst>
+              </p:cNvPr>
+              <p:cNvPicPr>
+                <a:picLocks noChangeAspect="1"/>
+              </p:cNvPicPr>
+              <p:nvPr/>
+            </p:nvPicPr>
+            <p:blipFill>
+              <a:blip r:embed="rId9"/>
+              <a:stretch>
+                <a:fillRect/>
+              </a:stretch>
+            </p:blipFill>
+            <p:spPr>
+              <a:xfrm>
+                <a:off x="2875358" y="4016910"/>
+                <a:ext cx="2708460" cy="1813351"/>
+              </a:xfrm>
+              <a:prstGeom prst="rect">
+                <a:avLst/>
+              </a:prstGeom>
+              <a:ln>
+                <a:solidFill>
+                  <a:schemeClr val="bg1">
+                    <a:lumMod val="95000"/>
+                  </a:schemeClr>
+                </a:solidFill>
+              </a:ln>
+            </p:spPr>
+          </p:pic>
+          <p:pic>
+            <p:nvPicPr>
+              <p:cNvPr id="22" name="Picture 21">
+                <a:extLst>
+                  <a:ext uri="{FF2B5EF4-FFF2-40B4-BE49-F238E27FC236}">
+                    <a16:creationId xmlns:a16="http://schemas.microsoft.com/office/drawing/2014/main" id="{DC2344E9-BAA7-853F-CDEB-CFB139F0B85C}"/>
+                  </a:ext>
+                </a:extLst>
+              </p:cNvPr>
+              <p:cNvPicPr>
+                <a:picLocks noChangeAspect="1"/>
+              </p:cNvPicPr>
+              <p:nvPr/>
+            </p:nvPicPr>
+            <p:blipFill>
+              <a:blip r:embed="rId10"/>
+              <a:stretch>
+                <a:fillRect/>
+              </a:stretch>
+            </p:blipFill>
+            <p:spPr>
+              <a:xfrm>
+                <a:off x="5659979" y="4024262"/>
+                <a:ext cx="2693016" cy="1805999"/>
+              </a:xfrm>
+              <a:prstGeom prst="rect">
+                <a:avLst/>
+              </a:prstGeom>
+              <a:ln>
+                <a:solidFill>
+                  <a:schemeClr val="bg1">
+                    <a:lumMod val="95000"/>
+                  </a:schemeClr>
+                </a:solidFill>
+              </a:ln>
+            </p:spPr>
+          </p:pic>
+        </p:grpSp>
+        <p:sp>
+          <p:nvSpPr>
+            <p:cNvPr id="3" name="Rectangle 2">
+              <a:extLst>
+                <a:ext uri="{FF2B5EF4-FFF2-40B4-BE49-F238E27FC236}">
+                  <a16:creationId xmlns:a16="http://schemas.microsoft.com/office/drawing/2014/main" id="{11FF0A11-87E6-7891-D570-9ECD69D79E87}"/>
+                </a:ext>
+              </a:extLst>
+            </p:cNvPr>
+            <p:cNvSpPr/>
+            <p:nvPr/>
+          </p:nvSpPr>
+          <p:spPr>
+            <a:xfrm>
+              <a:off x="364506" y="468655"/>
+              <a:ext cx="362600" cy="338554"/>
+            </a:xfrm>
+            <a:prstGeom prst="rect">
+              <a:avLst/>
+            </a:prstGeom>
+            <a:noFill/>
+          </p:spPr>
+          <p:txBody>
+            <a:bodyPr wrap="square" lIns="91440" tIns="45720" rIns="91440" bIns="45720">
+              <a:spAutoFit/>
+            </a:bodyPr>
+            <a:lstStyle/>
+            <a:p>
+              <a:pPr algn="ctr"/>
+              <a:r>
+                <a:rPr lang="en-US" sz="1600" b="0" cap="none" spc="0" dirty="0">
+                  <a:ln w="0"/>
+                  <a:solidFill>
+                    <a:schemeClr val="tx1"/>
+                  </a:solidFill>
+                </a:rPr>
+                <a:t>a</a:t>
+              </a:r>
+            </a:p>
+          </p:txBody>
+        </p:sp>
+        <p:sp>
+          <p:nvSpPr>
+            <p:cNvPr id="4" name="Rectangle 3">
+              <a:extLst>
+                <a:ext uri="{FF2B5EF4-FFF2-40B4-BE49-F238E27FC236}">
+                  <a16:creationId xmlns:a16="http://schemas.microsoft.com/office/drawing/2014/main" id="{3E0FD78F-454F-6012-BAF3-E80143E97DF7}"/>
+                </a:ext>
+              </a:extLst>
+            </p:cNvPr>
+            <p:cNvSpPr/>
+            <p:nvPr/>
+          </p:nvSpPr>
+          <p:spPr>
+            <a:xfrm>
+              <a:off x="3094690" y="468655"/>
+              <a:ext cx="362600" cy="338554"/>
+            </a:xfrm>
+            <a:prstGeom prst="rect">
+              <a:avLst/>
+            </a:prstGeom>
+            <a:noFill/>
+          </p:spPr>
+          <p:txBody>
+            <a:bodyPr wrap="square" lIns="91440" tIns="45720" rIns="91440" bIns="45720">
+              <a:spAutoFit/>
+            </a:bodyPr>
+            <a:lstStyle/>
+            <a:p>
+              <a:pPr algn="ctr"/>
+              <a:r>
+                <a:rPr lang="en-US" sz="1600" b="0" cap="none" spc="0" dirty="0">
+                  <a:ln w="0"/>
+                  <a:solidFill>
+                    <a:schemeClr val="tx1"/>
+                  </a:solidFill>
+                </a:rPr>
+                <a:t>b</a:t>
+              </a:r>
+            </a:p>
+          </p:txBody>
+        </p:sp>
+        <p:sp>
+          <p:nvSpPr>
+            <p:cNvPr id="6" name="Rectangle 5">
+              <a:extLst>
+                <a:ext uri="{FF2B5EF4-FFF2-40B4-BE49-F238E27FC236}">
+                  <a16:creationId xmlns:a16="http://schemas.microsoft.com/office/drawing/2014/main" id="{E3CEEFA1-7391-7CE7-5A4E-9900484F0058}"/>
+                </a:ext>
+              </a:extLst>
+            </p:cNvPr>
+            <p:cNvSpPr/>
+            <p:nvPr/>
+          </p:nvSpPr>
+          <p:spPr>
+            <a:xfrm>
+              <a:off x="5877116" y="468655"/>
+              <a:ext cx="362600" cy="338554"/>
+            </a:xfrm>
+            <a:prstGeom prst="rect">
+              <a:avLst/>
+            </a:prstGeom>
+            <a:noFill/>
+          </p:spPr>
+          <p:txBody>
+            <a:bodyPr wrap="square" lIns="91440" tIns="45720" rIns="91440" bIns="45720">
+              <a:spAutoFit/>
+            </a:bodyPr>
+            <a:lstStyle/>
+            <a:p>
+              <a:pPr algn="ctr"/>
+              <a:r>
+                <a:rPr lang="en-US" sz="1600" b="0" cap="none" spc="0" dirty="0">
+                  <a:ln w="0"/>
+                  <a:solidFill>
+                    <a:schemeClr val="tx1"/>
+                  </a:solidFill>
+                </a:rPr>
+                <a:t>c</a:t>
+              </a:r>
+            </a:p>
+          </p:txBody>
+        </p:sp>
+        <p:sp>
+          <p:nvSpPr>
+            <p:cNvPr id="28" name="Rectangle 27">
+              <a:extLst>
+                <a:ext uri="{FF2B5EF4-FFF2-40B4-BE49-F238E27FC236}">
+                  <a16:creationId xmlns:a16="http://schemas.microsoft.com/office/drawing/2014/main" id="{C7F7051D-90B8-3561-3749-A3914BD883EF}"/>
+                </a:ext>
+              </a:extLst>
+            </p:cNvPr>
+            <p:cNvSpPr/>
+            <p:nvPr/>
+          </p:nvSpPr>
+          <p:spPr>
+            <a:xfrm>
+              <a:off x="364506" y="2423937"/>
+              <a:ext cx="362600" cy="338554"/>
+            </a:xfrm>
+            <a:prstGeom prst="rect">
+              <a:avLst/>
+            </a:prstGeom>
+            <a:noFill/>
+          </p:spPr>
+          <p:txBody>
+            <a:bodyPr wrap="square" lIns="91440" tIns="45720" rIns="91440" bIns="45720">
+              <a:spAutoFit/>
+            </a:bodyPr>
+            <a:lstStyle/>
+            <a:p>
+              <a:pPr algn="ctr"/>
+              <a:r>
+                <a:rPr lang="en-US" sz="1600" b="0" cap="none" spc="0" dirty="0">
+                  <a:ln w="0"/>
+                  <a:solidFill>
+                    <a:schemeClr val="tx1"/>
+                  </a:solidFill>
+                </a:rPr>
+                <a:t>d</a:t>
+              </a:r>
+            </a:p>
+          </p:txBody>
+        </p:sp>
+        <p:sp>
+          <p:nvSpPr>
+            <p:cNvPr id="29" name="Rectangle 28">
+              <a:extLst>
+                <a:ext uri="{FF2B5EF4-FFF2-40B4-BE49-F238E27FC236}">
+                  <a16:creationId xmlns:a16="http://schemas.microsoft.com/office/drawing/2014/main" id="{C074CFFF-E174-4C50-ECBA-0AFBE8F18DD3}"/>
+                </a:ext>
+              </a:extLst>
+            </p:cNvPr>
+            <p:cNvSpPr/>
+            <p:nvPr/>
+          </p:nvSpPr>
+          <p:spPr>
+            <a:xfrm>
+              <a:off x="3094690" y="2423937"/>
+              <a:ext cx="362600" cy="338554"/>
+            </a:xfrm>
+            <a:prstGeom prst="rect">
+              <a:avLst/>
+            </a:prstGeom>
+            <a:noFill/>
+          </p:spPr>
+          <p:txBody>
+            <a:bodyPr wrap="square" lIns="91440" tIns="45720" rIns="91440" bIns="45720">
+              <a:spAutoFit/>
+            </a:bodyPr>
+            <a:lstStyle/>
+            <a:p>
+              <a:pPr algn="ctr"/>
+              <a:r>
+                <a:rPr lang="en-US" sz="1600" b="0" cap="none" spc="0" dirty="0">
+                  <a:ln w="0"/>
+                  <a:solidFill>
+                    <a:schemeClr val="tx1"/>
+                  </a:solidFill>
+                </a:rPr>
+                <a:t>e</a:t>
+              </a:r>
+            </a:p>
+          </p:txBody>
+        </p:sp>
+        <p:sp>
+          <p:nvSpPr>
+            <p:cNvPr id="30" name="Rectangle 29">
+              <a:extLst>
+                <a:ext uri="{FF2B5EF4-FFF2-40B4-BE49-F238E27FC236}">
+                  <a16:creationId xmlns:a16="http://schemas.microsoft.com/office/drawing/2014/main" id="{3662BFA2-8A46-1446-94FF-B26CD5F4FEF2}"/>
+                </a:ext>
+              </a:extLst>
+            </p:cNvPr>
+            <p:cNvSpPr/>
+            <p:nvPr/>
+          </p:nvSpPr>
+          <p:spPr>
+            <a:xfrm>
+              <a:off x="5877116" y="2423937"/>
+              <a:ext cx="362600" cy="338554"/>
+            </a:xfrm>
+            <a:prstGeom prst="rect">
+              <a:avLst/>
+            </a:prstGeom>
+            <a:noFill/>
+          </p:spPr>
+          <p:txBody>
+            <a:bodyPr wrap="square" lIns="91440" tIns="45720" rIns="91440" bIns="45720">
+              <a:spAutoFit/>
+            </a:bodyPr>
+            <a:lstStyle/>
+            <a:p>
+              <a:pPr algn="ctr"/>
+              <a:r>
+                <a:rPr lang="en-US" sz="1600" b="0" cap="none" spc="0" dirty="0">
+                  <a:ln w="0"/>
+                  <a:solidFill>
+                    <a:schemeClr val="tx1"/>
+                  </a:solidFill>
+                </a:rPr>
+                <a:t>f</a:t>
+              </a:r>
+            </a:p>
+          </p:txBody>
+        </p:sp>
+        <p:sp>
+          <p:nvSpPr>
+            <p:cNvPr id="31" name="Rectangle 30">
+              <a:extLst>
+                <a:ext uri="{FF2B5EF4-FFF2-40B4-BE49-F238E27FC236}">
+                  <a16:creationId xmlns:a16="http://schemas.microsoft.com/office/drawing/2014/main" id="{E792F91B-885A-B849-4AA2-C07342D91B64}"/>
+                </a:ext>
+              </a:extLst>
+            </p:cNvPr>
+            <p:cNvSpPr/>
+            <p:nvPr/>
+          </p:nvSpPr>
+          <p:spPr>
+            <a:xfrm>
+              <a:off x="364506" y="4401422"/>
+              <a:ext cx="362600" cy="338554"/>
+            </a:xfrm>
+            <a:prstGeom prst="rect">
+              <a:avLst/>
+            </a:prstGeom>
+            <a:noFill/>
+          </p:spPr>
+          <p:txBody>
+            <a:bodyPr wrap="square" lIns="91440" tIns="45720" rIns="91440" bIns="45720">
+              <a:spAutoFit/>
+            </a:bodyPr>
+            <a:lstStyle/>
+            <a:p>
+              <a:pPr algn="ctr"/>
+              <a:r>
+                <a:rPr lang="en-US" sz="1600" b="0" cap="none" spc="0" dirty="0">
+                  <a:ln w="0"/>
+                  <a:solidFill>
+                    <a:schemeClr val="tx1"/>
+                  </a:solidFill>
+                </a:rPr>
+                <a:t>g</a:t>
+              </a:r>
+            </a:p>
+          </p:txBody>
+        </p:sp>
+        <p:sp>
+          <p:nvSpPr>
+            <p:cNvPr id="32" name="Rectangle 31">
+              <a:extLst>
+                <a:ext uri="{FF2B5EF4-FFF2-40B4-BE49-F238E27FC236}">
+                  <a16:creationId xmlns:a16="http://schemas.microsoft.com/office/drawing/2014/main" id="{8301818D-B6F5-7AFB-51A7-796CE1962561}"/>
+                </a:ext>
+              </a:extLst>
+            </p:cNvPr>
+            <p:cNvSpPr/>
+            <p:nvPr/>
+          </p:nvSpPr>
+          <p:spPr>
+            <a:xfrm>
+              <a:off x="3094690" y="4401422"/>
+              <a:ext cx="362600" cy="338554"/>
+            </a:xfrm>
+            <a:prstGeom prst="rect">
+              <a:avLst/>
+            </a:prstGeom>
+            <a:noFill/>
+          </p:spPr>
+          <p:txBody>
+            <a:bodyPr wrap="square" lIns="91440" tIns="45720" rIns="91440" bIns="45720">
+              <a:spAutoFit/>
+            </a:bodyPr>
+            <a:lstStyle/>
+            <a:p>
+              <a:pPr algn="ctr"/>
+              <a:r>
+                <a:rPr lang="en-US" sz="1600" b="0" cap="none" spc="0" dirty="0">
+                  <a:ln w="0"/>
+                  <a:solidFill>
+                    <a:schemeClr val="tx1"/>
+                  </a:solidFill>
+                </a:rPr>
+                <a:t>h</a:t>
+              </a:r>
+            </a:p>
+          </p:txBody>
+        </p:sp>
+        <p:sp>
+          <p:nvSpPr>
+            <p:cNvPr id="33" name="Rectangle 32">
+              <a:extLst>
+                <a:ext uri="{FF2B5EF4-FFF2-40B4-BE49-F238E27FC236}">
+                  <a16:creationId xmlns:a16="http://schemas.microsoft.com/office/drawing/2014/main" id="{268A275F-14E2-825A-1DD0-75E6358927D2}"/>
+                </a:ext>
+              </a:extLst>
+            </p:cNvPr>
+            <p:cNvSpPr/>
+            <p:nvPr/>
+          </p:nvSpPr>
+          <p:spPr>
+            <a:xfrm>
+              <a:off x="5877116" y="4401422"/>
+              <a:ext cx="362600" cy="338554"/>
+            </a:xfrm>
+            <a:prstGeom prst="rect">
+              <a:avLst/>
+            </a:prstGeom>
+            <a:noFill/>
+          </p:spPr>
+          <p:txBody>
+            <a:bodyPr wrap="square" lIns="91440" tIns="45720" rIns="91440" bIns="45720">
+              <a:spAutoFit/>
+            </a:bodyPr>
+            <a:lstStyle/>
+            <a:p>
+              <a:pPr algn="ctr"/>
+              <a:r>
+                <a:rPr lang="en-US" sz="1600" b="0" cap="none" spc="0" dirty="0" err="1">
+                  <a:ln w="0"/>
+                  <a:solidFill>
+                    <a:schemeClr val="tx1"/>
+                  </a:solidFill>
+                </a:rPr>
+                <a:t>i</a:t>
+              </a:r>
+              <a:endParaRPr lang="en-US" sz="1600" b="0" cap="none" spc="0" dirty="0">
+                <a:ln w="0"/>
+                <a:solidFill>
+                  <a:schemeClr val="tx1"/>
+                </a:solidFill>
+              </a:endParaRPr>
+            </a:p>
+          </p:txBody>
+        </p:sp>
+      </p:grpSp>
     </p:spTree>
     <p:extLst>
       <p:ext uri="{BB962C8B-B14F-4D97-AF65-F5344CB8AC3E}">
